--- a/para-dep.pptx
+++ b/para-dep.pptx
@@ -3383,8 +3383,8 @@
           <a:chExt cx="0" cy="0"/>
         </a:xfrm>
       </p:grpSpPr>
-      <mc:AlternateContent xmlns:mc="http://schemas.openxmlformats.org/markup-compatibility/2006">
-        <mc:Choice xmlns:a14="http://schemas.microsoft.com/office/drawing/2010/main" Requires="a14">
+      <mc:AlternateContent xmlns:mc="http://schemas.openxmlformats.org/markup-compatibility/2006" xmlns:a14="http://schemas.microsoft.com/office/drawing/2010/main">
+        <mc:Choice Requires="a14">
           <p:sp>
             <p:nvSpPr>
               <p:cNvPr id="7" name="テキスト ボックス 6"/>
@@ -3433,7 +3433,7 @@
             </p:txBody>
           </p:sp>
         </mc:Choice>
-        <mc:Fallback>
+        <mc:Fallback xmlns="">
           <p:sp>
             <p:nvSpPr>
               <p:cNvPr id="7" name="テキスト ボックス 6"/>
@@ -3477,8 +3477,8 @@
           </p:sp>
         </mc:Fallback>
       </mc:AlternateContent>
-      <mc:AlternateContent xmlns:mc="http://schemas.openxmlformats.org/markup-compatibility/2006">
-        <mc:Choice xmlns:a14="http://schemas.microsoft.com/office/drawing/2010/main" Requires="a14">
+      <mc:AlternateContent xmlns:mc="http://schemas.openxmlformats.org/markup-compatibility/2006" xmlns:a14="http://schemas.microsoft.com/office/drawing/2010/main">
+        <mc:Choice Requires="a14">
           <p:sp>
             <p:nvSpPr>
               <p:cNvPr id="8" name="テキスト ボックス 7"/>
@@ -3665,7 +3665,7 @@
             </p:txBody>
           </p:sp>
         </mc:Choice>
-        <mc:Fallback>
+        <mc:Fallback xmlns="">
           <p:sp>
             <p:nvSpPr>
               <p:cNvPr id="8" name="テキスト ボックス 7"/>
@@ -3709,8 +3709,8 @@
           </p:sp>
         </mc:Fallback>
       </mc:AlternateContent>
-      <mc:AlternateContent xmlns:mc="http://schemas.openxmlformats.org/markup-compatibility/2006">
-        <mc:Choice xmlns:a14="http://schemas.microsoft.com/office/drawing/2010/main" Requires="a14">
+      <mc:AlternateContent xmlns:mc="http://schemas.openxmlformats.org/markup-compatibility/2006" xmlns:a14="http://schemas.microsoft.com/office/drawing/2010/main">
+        <mc:Choice Requires="a14">
           <p:sp>
             <p:nvSpPr>
               <p:cNvPr id="9" name="テキスト ボックス 8"/>
@@ -3891,7 +3891,7 @@
             </p:txBody>
           </p:sp>
         </mc:Choice>
-        <mc:Fallback>
+        <mc:Fallback xmlns="">
           <p:sp>
             <p:nvSpPr>
               <p:cNvPr id="9" name="テキスト ボックス 8"/>
@@ -3935,8 +3935,8 @@
           </p:sp>
         </mc:Fallback>
       </mc:AlternateContent>
-      <mc:AlternateContent xmlns:mc="http://schemas.openxmlformats.org/markup-compatibility/2006">
-        <mc:Choice xmlns:a14="http://schemas.microsoft.com/office/drawing/2010/main" Requires="a14">
+      <mc:AlternateContent xmlns:mc="http://schemas.openxmlformats.org/markup-compatibility/2006" xmlns:a14="http://schemas.microsoft.com/office/drawing/2010/main">
+        <mc:Choice Requires="a14">
           <p:sp>
             <p:nvSpPr>
               <p:cNvPr id="10" name="テキスト ボックス 9"/>
@@ -4087,7 +4087,7 @@
             </p:txBody>
           </p:sp>
         </mc:Choice>
-        <mc:Fallback>
+        <mc:Fallback xmlns="">
           <p:sp>
             <p:nvSpPr>
               <p:cNvPr id="10" name="テキスト ボックス 9"/>
@@ -4131,8 +4131,8 @@
           </p:sp>
         </mc:Fallback>
       </mc:AlternateContent>
-      <mc:AlternateContent xmlns:mc="http://schemas.openxmlformats.org/markup-compatibility/2006">
-        <mc:Choice xmlns:a14="http://schemas.microsoft.com/office/drawing/2010/main" Requires="a14">
+      <mc:AlternateContent xmlns:mc="http://schemas.openxmlformats.org/markup-compatibility/2006" xmlns:a14="http://schemas.microsoft.com/office/drawing/2010/main">
+        <mc:Choice Requires="a14">
           <p:sp>
             <p:nvSpPr>
               <p:cNvPr id="11" name="テキスト ボックス 10"/>
@@ -4181,7 +4181,7 @@
             </p:txBody>
           </p:sp>
         </mc:Choice>
-        <mc:Fallback>
+        <mc:Fallback xmlns="">
           <p:sp>
             <p:nvSpPr>
               <p:cNvPr id="11" name="テキスト ボックス 10"/>
@@ -4225,8 +4225,8 @@
           </p:sp>
         </mc:Fallback>
       </mc:AlternateContent>
-      <mc:AlternateContent xmlns:mc="http://schemas.openxmlformats.org/markup-compatibility/2006">
-        <mc:Choice xmlns:a14="http://schemas.microsoft.com/office/drawing/2010/main" Requires="a14">
+      <mc:AlternateContent xmlns:mc="http://schemas.openxmlformats.org/markup-compatibility/2006" xmlns:a14="http://schemas.microsoft.com/office/drawing/2010/main">
+        <mc:Choice Requires="a14">
           <p:sp>
             <p:nvSpPr>
               <p:cNvPr id="12" name="テキスト ボックス 11"/>
@@ -4275,7 +4275,7 @@
             </p:txBody>
           </p:sp>
         </mc:Choice>
-        <mc:Fallback>
+        <mc:Fallback xmlns="">
           <p:sp>
             <p:nvSpPr>
               <p:cNvPr id="12" name="テキスト ボックス 11"/>
@@ -4330,6 +4330,100 @@
             <p:spPr>
               <a:xfrm>
                 <a:off x="2466019" y="891504"/>
+                <a:ext cx="191945" cy="184650"/>
+              </a:xfrm>
+              <a:prstGeom prst="rect">
+                <a:avLst/>
+              </a:prstGeom>
+              <a:noFill/>
+              <a:ln w="3175">
+                <a:solidFill>
+                  <a:schemeClr val="tx1"/>
+                </a:solidFill>
+              </a:ln>
+            </p:spPr>
+            <p:txBody>
+              <a:bodyPr wrap="none" lIns="45705" tIns="22852" rIns="45705" bIns="22852" rtlCol="0">
+                <a:spAutoFit/>
+              </a:bodyPr>
+              <a:lstStyle/>
+              <a:p>
+                <a:pPr/>
+                <a14:m>
+                  <m:oMathPara xmlns:m="http://schemas.openxmlformats.org/officeDocument/2006/math">
+                    <m:oMathParaPr>
+                      <m:jc m:val="centerGroup"/>
+                    </m:oMathParaPr>
+                    <m:oMath xmlns:m="http://schemas.openxmlformats.org/officeDocument/2006/math">
+                      <m:r>
+                        <a:rPr kumimoji="1" lang="en-US" altLang="ja-JP" b="0" i="1" smtClean="0">
+                          <a:latin typeface="Cambria Math"/>
+                        </a:rPr>
+                        <m:t>𝛽</m:t>
+                      </m:r>
+                    </m:oMath>
+                  </m:oMathPara>
+                </a14:m>
+                <a:endParaRPr kumimoji="1" lang="en-US" altLang="ja-JP" b="0" smtClean="0"/>
+              </a:p>
+            </p:txBody>
+          </p:sp>
+        </mc:Choice>
+        <mc:Fallback>
+          <p:sp>
+            <p:nvSpPr>
+              <p:cNvPr id="13" name="テキスト ボックス 12"/>
+              <p:cNvSpPr txBox="1">
+                <a:spLocks noRot="1" noChangeAspect="1" noMove="1" noResize="1" noEditPoints="1" noAdjustHandles="1" noChangeArrowheads="1" noChangeShapeType="1" noTextEdit="1"/>
+              </p:cNvSpPr>
+              <p:nvPr/>
+            </p:nvSpPr>
+            <p:spPr>
+              <a:xfrm>
+                <a:off x="2466019" y="891504"/>
+                <a:ext cx="191945" cy="184650"/>
+              </a:xfrm>
+              <a:prstGeom prst="rect">
+                <a:avLst/>
+              </a:prstGeom>
+              <a:blipFill rotWithShape="1">
+                <a:blip r:embed="rId8"/>
+                <a:stretch>
+                  <a:fillRect b="-6250"/>
+                </a:stretch>
+              </a:blipFill>
+              <a:ln w="3175">
+                <a:solidFill>
+                  <a:schemeClr val="tx1"/>
+                </a:solidFill>
+              </a:ln>
+            </p:spPr>
+            <p:txBody>
+              <a:bodyPr/>
+              <a:lstStyle/>
+              <a:p>
+                <a:r>
+                  <a:rPr lang="ja-JP" altLang="en-US">
+                    <a:noFill/>
+                  </a:rPr>
+                  <a:t> </a:t>
+                </a:r>
+              </a:p>
+            </p:txBody>
+          </p:sp>
+        </mc:Fallback>
+      </mc:AlternateContent>
+      <mc:AlternateContent xmlns:mc="http://schemas.openxmlformats.org/markup-compatibility/2006">
+        <mc:Choice xmlns:a14="http://schemas.microsoft.com/office/drawing/2010/main" Requires="a14">
+          <p:sp>
+            <p:nvSpPr>
+              <p:cNvPr id="14" name="テキスト ボックス 13"/>
+              <p:cNvSpPr txBox="1"/>
+              <p:nvPr/>
+            </p:nvSpPr>
+            <p:spPr>
+              <a:xfrm>
+                <a:off x="2898066" y="891504"/>
                 <a:ext cx="165656" cy="184650"/>
               </a:xfrm>
               <a:prstGeom prst="rect">
@@ -4372,100 +4466,6 @@
         <mc:Fallback>
           <p:sp>
             <p:nvSpPr>
-              <p:cNvPr id="13" name="テキスト ボックス 12"/>
-              <p:cNvSpPr txBox="1">
-                <a:spLocks noRot="1" noChangeAspect="1" noMove="1" noResize="1" noEditPoints="1" noAdjustHandles="1" noChangeArrowheads="1" noChangeShapeType="1" noTextEdit="1"/>
-              </p:cNvSpPr>
-              <p:nvPr/>
-            </p:nvSpPr>
-            <p:spPr>
-              <a:xfrm>
-                <a:off x="2466019" y="891504"/>
-                <a:ext cx="165656" cy="184650"/>
-              </a:xfrm>
-              <a:prstGeom prst="rect">
-                <a:avLst/>
-              </a:prstGeom>
-              <a:blipFill rotWithShape="1">
-                <a:blip r:embed="rId8"/>
-                <a:stretch>
-                  <a:fillRect/>
-                </a:stretch>
-              </a:blipFill>
-              <a:ln w="3175">
-                <a:solidFill>
-                  <a:schemeClr val="tx1"/>
-                </a:solidFill>
-              </a:ln>
-            </p:spPr>
-            <p:txBody>
-              <a:bodyPr/>
-              <a:lstStyle/>
-              <a:p>
-                <a:r>
-                  <a:rPr lang="ja-JP" altLang="en-US">
-                    <a:noFill/>
-                  </a:rPr>
-                  <a:t> </a:t>
-                </a:r>
-              </a:p>
-            </p:txBody>
-          </p:sp>
-        </mc:Fallback>
-      </mc:AlternateContent>
-      <mc:AlternateContent xmlns:mc="http://schemas.openxmlformats.org/markup-compatibility/2006">
-        <mc:Choice xmlns:a14="http://schemas.microsoft.com/office/drawing/2010/main" Requires="a14">
-          <p:sp>
-            <p:nvSpPr>
-              <p:cNvPr id="14" name="テキスト ボックス 13"/>
-              <p:cNvSpPr txBox="1"/>
-              <p:nvPr/>
-            </p:nvSpPr>
-            <p:spPr>
-              <a:xfrm>
-                <a:off x="2898066" y="891504"/>
-                <a:ext cx="191945" cy="184650"/>
-              </a:xfrm>
-              <a:prstGeom prst="rect">
-                <a:avLst/>
-              </a:prstGeom>
-              <a:noFill/>
-              <a:ln w="3175">
-                <a:solidFill>
-                  <a:schemeClr val="tx1"/>
-                </a:solidFill>
-              </a:ln>
-            </p:spPr>
-            <p:txBody>
-              <a:bodyPr wrap="none" lIns="45705" tIns="22852" rIns="45705" bIns="22852" rtlCol="0">
-                <a:spAutoFit/>
-              </a:bodyPr>
-              <a:lstStyle/>
-              <a:p>
-                <a:pPr/>
-                <a14:m>
-                  <m:oMathPara xmlns:m="http://schemas.openxmlformats.org/officeDocument/2006/math">
-                    <m:oMathParaPr>
-                      <m:jc m:val="centerGroup"/>
-                    </m:oMathParaPr>
-                    <m:oMath xmlns:m="http://schemas.openxmlformats.org/officeDocument/2006/math">
-                      <m:r>
-                        <a:rPr kumimoji="1" lang="en-US" altLang="ja-JP" b="0" i="1" smtClean="0">
-                          <a:latin typeface="Cambria Math"/>
-                        </a:rPr>
-                        <m:t>𝛽</m:t>
-                      </m:r>
-                    </m:oMath>
-                  </m:oMathPara>
-                </a14:m>
-                <a:endParaRPr kumimoji="1" lang="en-US" altLang="ja-JP" b="0" smtClean="0"/>
-              </a:p>
-            </p:txBody>
-          </p:sp>
-        </mc:Choice>
-        <mc:Fallback>
-          <p:sp>
-            <p:nvSpPr>
               <p:cNvPr id="14" name="テキスト ボックス 13"/>
               <p:cNvSpPr txBox="1">
                 <a:spLocks noRot="1" noChangeAspect="1" noMove="1" noResize="1" noEditPoints="1" noAdjustHandles="1" noChangeArrowheads="1" noChangeShapeType="1" noTextEdit="1"/>
@@ -4475,7 +4475,7 @@
             <p:spPr>
               <a:xfrm>
                 <a:off x="2898066" y="891504"/>
-                <a:ext cx="191945" cy="184650"/>
+                <a:ext cx="165656" cy="184650"/>
               </a:xfrm>
               <a:prstGeom prst="rect">
                 <a:avLst/>
@@ -4483,7 +4483,7 @@
               <a:blipFill rotWithShape="1">
                 <a:blip r:embed="rId9"/>
                 <a:stretch>
-                  <a:fillRect b="-6250"/>
+                  <a:fillRect/>
                 </a:stretch>
               </a:blipFill>
               <a:ln w="3175">
@@ -4621,8 +4621,8 @@
           </a:fontRef>
         </p:style>
       </p:cxnSp>
-      <mc:AlternateContent xmlns:mc="http://schemas.openxmlformats.org/markup-compatibility/2006">
-        <mc:Choice xmlns:a14="http://schemas.microsoft.com/office/drawing/2010/main" Requires="a14">
+      <mc:AlternateContent xmlns:mc="http://schemas.openxmlformats.org/markup-compatibility/2006" xmlns:a14="http://schemas.microsoft.com/office/drawing/2010/main">
+        <mc:Choice Requires="a14">
           <p:sp>
             <p:nvSpPr>
               <p:cNvPr id="33" name="テキスト ボックス 32"/>
@@ -4713,7 +4713,7 @@
             </p:txBody>
           </p:sp>
         </mc:Choice>
-        <mc:Fallback>
+        <mc:Fallback xmlns="">
           <p:sp>
             <p:nvSpPr>
               <p:cNvPr id="33" name="テキスト ボックス 32"/>
@@ -4757,8 +4757,8 @@
           </p:sp>
         </mc:Fallback>
       </mc:AlternateContent>
-      <mc:AlternateContent xmlns:mc="http://schemas.openxmlformats.org/markup-compatibility/2006">
-        <mc:Choice xmlns:a14="http://schemas.microsoft.com/office/drawing/2010/main" Requires="a14">
+      <mc:AlternateContent xmlns:mc="http://schemas.openxmlformats.org/markup-compatibility/2006" xmlns:a14="http://schemas.microsoft.com/office/drawing/2010/main">
+        <mc:Choice Requires="a14">
           <p:sp>
             <p:nvSpPr>
               <p:cNvPr id="34" name="テキスト ボックス 33"/>
@@ -4838,7 +4838,7 @@
             </p:txBody>
           </p:sp>
         </mc:Choice>
-        <mc:Fallback>
+        <mc:Fallback xmlns="">
           <p:sp>
             <p:nvSpPr>
               <p:cNvPr id="34" name="テキスト ボックス 33"/>
@@ -4959,8 +4959,8 @@
           </a:fontRef>
         </p:style>
       </p:cxnSp>
-      <mc:AlternateContent xmlns:mc="http://schemas.openxmlformats.org/markup-compatibility/2006">
-        <mc:Choice xmlns:a14="http://schemas.microsoft.com/office/drawing/2010/main" Requires="a14">
+      <mc:AlternateContent xmlns:mc="http://schemas.openxmlformats.org/markup-compatibility/2006" xmlns:a14="http://schemas.microsoft.com/office/drawing/2010/main">
+        <mc:Choice Requires="a14">
           <p:sp>
             <p:nvSpPr>
               <p:cNvPr id="46" name="テキスト ボックス 45"/>
@@ -5092,7 +5092,7 @@
             </p:txBody>
           </p:sp>
         </mc:Choice>
-        <mc:Fallback>
+        <mc:Fallback xmlns="">
           <p:sp>
             <p:nvSpPr>
               <p:cNvPr id="46" name="テキスト ボックス 45"/>
@@ -5225,12 +5225,12 @@
         </p:nvCxnSpPr>
         <p:spPr>
           <a:xfrm rot="16200000" flipH="1">
-            <a:off x="2771443" y="853558"/>
-            <a:ext cx="12700" cy="445192"/>
+            <a:off x="2771443" y="866703"/>
+            <a:ext cx="12700" cy="418902"/>
           </a:xfrm>
           <a:prstGeom prst="bentConnector3">
             <a:avLst>
-              <a:gd name="adj1" fmla="val 900000"/>
+              <a:gd name="adj1" fmla="val 5741772"/>
             </a:avLst>
           </a:prstGeom>
           <a:ln w="3175">
@@ -5262,12 +5262,12 @@
         </p:nvCxnSpPr>
         <p:spPr>
           <a:xfrm flipV="1">
-            <a:off x="1346101" y="1184750"/>
-            <a:ext cx="1431692" cy="1326358"/>
+            <a:off x="1346101" y="1811084"/>
+            <a:ext cx="1431692" cy="700024"/>
           </a:xfrm>
           <a:prstGeom prst="bentConnector3">
             <a:avLst>
-              <a:gd name="adj1" fmla="val 100030"/>
+              <a:gd name="adj1" fmla="val 99923"/>
             </a:avLst>
           </a:prstGeom>
           <a:ln w="3175">
@@ -5362,8 +5362,8 @@
           </a:fontRef>
         </p:style>
       </p:cxnSp>
-      <mc:AlternateContent xmlns:mc="http://schemas.openxmlformats.org/markup-compatibility/2006">
-        <mc:Choice xmlns:a14="http://schemas.microsoft.com/office/drawing/2010/main" Requires="a14">
+      <mc:AlternateContent xmlns:mc="http://schemas.openxmlformats.org/markup-compatibility/2006" xmlns:a14="http://schemas.microsoft.com/office/drawing/2010/main">
+        <mc:Choice Requires="a14">
           <p:sp>
             <p:nvSpPr>
               <p:cNvPr id="105" name="テキスト ボックス 104"/>
@@ -5497,7 +5497,7 @@
             </p:txBody>
           </p:sp>
         </mc:Choice>
-        <mc:Fallback>
+        <mc:Fallback xmlns="">
           <p:sp>
             <p:nvSpPr>
               <p:cNvPr id="105" name="テキスト ボックス 104"/>
@@ -5658,8 +5658,8 @@
           </a:fontRef>
         </p:style>
       </p:cxnSp>
-      <mc:AlternateContent xmlns:mc="http://schemas.openxmlformats.org/markup-compatibility/2006">
-        <mc:Choice xmlns:a14="http://schemas.microsoft.com/office/drawing/2010/main" Requires="a14">
+      <mc:AlternateContent xmlns:mc="http://schemas.openxmlformats.org/markup-compatibility/2006" xmlns:a14="http://schemas.microsoft.com/office/drawing/2010/main">
+        <mc:Choice Requires="a14">
           <p:sp>
             <p:nvSpPr>
               <p:cNvPr id="133" name="テキスト ボックス 132"/>
@@ -5687,7 +5687,6 @@
               </a:bodyPr>
               <a:lstStyle/>
               <a:p>
-                <a:pPr/>
                 <a14:m>
                   <m:oMath xmlns:m="http://schemas.openxmlformats.org/officeDocument/2006/math">
                     <m:f>
@@ -5870,7 +5869,7 @@
             </p:txBody>
           </p:sp>
         </mc:Choice>
-        <mc:Fallback>
+        <mc:Fallback xmlns="">
           <p:sp>
             <p:nvSpPr>
               <p:cNvPr id="133" name="テキスト ボックス 132"/>
@@ -5993,14 +5992,14 @@
         <p:nvCxnSpPr>
           <p:cNvPr id="137" name="カギ線コネクタ 136"/>
           <p:cNvCxnSpPr>
-            <a:endCxn id="14" idx="0"/>
+            <a:endCxn id="13" idx="0"/>
           </p:cNvCxnSpPr>
           <p:nvPr/>
         </p:nvCxnSpPr>
         <p:spPr>
           <a:xfrm rot="10800000" flipV="1">
-            <a:off x="2994039" y="743306"/>
-            <a:ext cx="201288" cy="148198"/>
+            <a:off x="2561993" y="743306"/>
+            <a:ext cx="633339" cy="148198"/>
           </a:xfrm>
           <a:prstGeom prst="bentConnector2">
             <a:avLst/>
@@ -6121,6 +6120,42 @@
             <a:solidFill>
               <a:schemeClr val="tx1"/>
             </a:solidFill>
+          </a:ln>
+        </p:spPr>
+        <p:style>
+          <a:lnRef idx="1">
+            <a:schemeClr val="accent1"/>
+          </a:lnRef>
+          <a:fillRef idx="0">
+            <a:schemeClr val="accent1"/>
+          </a:fillRef>
+          <a:effectRef idx="0">
+            <a:schemeClr val="accent1"/>
+          </a:effectRef>
+          <a:fontRef idx="minor">
+            <a:schemeClr val="tx1"/>
+          </a:fontRef>
+        </p:style>
+      </p:cxnSp>
+      <p:cxnSp>
+        <p:nvCxnSpPr>
+          <p:cNvPr id="40" name="直線コネクタ 39"/>
+          <p:cNvCxnSpPr/>
+          <p:nvPr/>
+        </p:nvCxnSpPr>
+        <p:spPr>
+          <a:xfrm>
+            <a:off x="1493912" y="1624191"/>
+            <a:ext cx="1074430" cy="0"/>
+          </a:xfrm>
+          <a:prstGeom prst="line">
+            <a:avLst/>
+          </a:prstGeom>
+          <a:ln w="3175">
+            <a:solidFill>
+              <a:schemeClr val="tx1"/>
+            </a:solidFill>
+            <a:tailEnd type="none" w="sm" len="sm"/>
           </a:ln>
         </p:spPr>
         <p:style>

--- a/para-dep.pptx
+++ b/para-dep.pptx
@@ -288,7 +288,7 @@
           <a:p>
             <a:fld id="{3BCA5A0C-6EE6-4C53-A7D0-151740237538}" type="datetimeFigureOut">
               <a:rPr kumimoji="1" lang="ja-JP" altLang="en-US" smtClean="0"/>
-              <a:t>2011/4/27</a:t>
+              <a:t>2017/4/23</a:t>
             </a:fld>
             <a:endParaRPr kumimoji="1" lang="ja-JP" altLang="en-US"/>
           </a:p>
@@ -490,7 +490,7 @@
           <a:p>
             <a:fld id="{3BCA5A0C-6EE6-4C53-A7D0-151740237538}" type="datetimeFigureOut">
               <a:rPr kumimoji="1" lang="ja-JP" altLang="en-US" smtClean="0"/>
-              <a:t>2011/4/27</a:t>
+              <a:t>2017/4/23</a:t>
             </a:fld>
             <a:endParaRPr kumimoji="1" lang="ja-JP" altLang="en-US"/>
           </a:p>
@@ -702,7 +702,7 @@
           <a:p>
             <a:fld id="{3BCA5A0C-6EE6-4C53-A7D0-151740237538}" type="datetimeFigureOut">
               <a:rPr kumimoji="1" lang="ja-JP" altLang="en-US" smtClean="0"/>
-              <a:t>2011/4/27</a:t>
+              <a:t>2017/4/23</a:t>
             </a:fld>
             <a:endParaRPr kumimoji="1" lang="ja-JP" altLang="en-US"/>
           </a:p>
@@ -904,7 +904,7 @@
           <a:p>
             <a:fld id="{3BCA5A0C-6EE6-4C53-A7D0-151740237538}" type="datetimeFigureOut">
               <a:rPr kumimoji="1" lang="ja-JP" altLang="en-US" smtClean="0"/>
-              <a:t>2011/4/27</a:t>
+              <a:t>2017/4/23</a:t>
             </a:fld>
             <a:endParaRPr kumimoji="1" lang="ja-JP" altLang="en-US"/>
           </a:p>
@@ -1150,7 +1150,7 @@
           <a:p>
             <a:fld id="{3BCA5A0C-6EE6-4C53-A7D0-151740237538}" type="datetimeFigureOut">
               <a:rPr kumimoji="1" lang="ja-JP" altLang="en-US" smtClean="0"/>
-              <a:t>2011/4/27</a:t>
+              <a:t>2017/4/23</a:t>
             </a:fld>
             <a:endParaRPr kumimoji="1" lang="ja-JP" altLang="en-US"/>
           </a:p>
@@ -1502,7 +1502,7 @@
           <a:p>
             <a:fld id="{3BCA5A0C-6EE6-4C53-A7D0-151740237538}" type="datetimeFigureOut">
               <a:rPr kumimoji="1" lang="ja-JP" altLang="en-US" smtClean="0"/>
-              <a:t>2011/4/27</a:t>
+              <a:t>2017/4/23</a:t>
             </a:fld>
             <a:endParaRPr kumimoji="1" lang="ja-JP" altLang="en-US"/>
           </a:p>
@@ -1988,7 +1988,7 @@
           <a:p>
             <a:fld id="{3BCA5A0C-6EE6-4C53-A7D0-151740237538}" type="datetimeFigureOut">
               <a:rPr kumimoji="1" lang="ja-JP" altLang="en-US" smtClean="0"/>
-              <a:t>2011/4/27</a:t>
+              <a:t>2017/4/23</a:t>
             </a:fld>
             <a:endParaRPr kumimoji="1" lang="ja-JP" altLang="en-US"/>
           </a:p>
@@ -2106,7 +2106,7 @@
           <a:p>
             <a:fld id="{3BCA5A0C-6EE6-4C53-A7D0-151740237538}" type="datetimeFigureOut">
               <a:rPr kumimoji="1" lang="ja-JP" altLang="en-US" smtClean="0"/>
-              <a:t>2011/4/27</a:t>
+              <a:t>2017/4/23</a:t>
             </a:fld>
             <a:endParaRPr kumimoji="1" lang="ja-JP" altLang="en-US"/>
           </a:p>
@@ -2201,7 +2201,7 @@
           <a:p>
             <a:fld id="{3BCA5A0C-6EE6-4C53-A7D0-151740237538}" type="datetimeFigureOut">
               <a:rPr kumimoji="1" lang="ja-JP" altLang="en-US" smtClean="0"/>
-              <a:t>2011/4/27</a:t>
+              <a:t>2017/4/23</a:t>
             </a:fld>
             <a:endParaRPr kumimoji="1" lang="ja-JP" altLang="en-US"/>
           </a:p>
@@ -2510,7 +2510,7 @@
           <a:p>
             <a:fld id="{3BCA5A0C-6EE6-4C53-A7D0-151740237538}" type="datetimeFigureOut">
               <a:rPr kumimoji="1" lang="ja-JP" altLang="en-US" smtClean="0"/>
-              <a:t>2011/4/27</a:t>
+              <a:t>2017/4/23</a:t>
             </a:fld>
             <a:endParaRPr kumimoji="1" lang="ja-JP" altLang="en-US"/>
           </a:p>
@@ -2763,7 +2763,7 @@
           <a:p>
             <a:fld id="{3BCA5A0C-6EE6-4C53-A7D0-151740237538}" type="datetimeFigureOut">
               <a:rPr kumimoji="1" lang="ja-JP" altLang="en-US" smtClean="0"/>
-              <a:t>2011/4/27</a:t>
+              <a:t>2017/4/23</a:t>
             </a:fld>
             <a:endParaRPr kumimoji="1" lang="ja-JP" altLang="en-US"/>
           </a:p>
@@ -3008,7 +3008,7 @@
           <a:p>
             <a:fld id="{3BCA5A0C-6EE6-4C53-A7D0-151740237538}" type="datetimeFigureOut">
               <a:rPr kumimoji="1" lang="ja-JP" altLang="en-US" smtClean="0"/>
-              <a:t>2011/4/27</a:t>
+              <a:t>2017/4/23</a:t>
             </a:fld>
             <a:endParaRPr kumimoji="1" lang="ja-JP" altLang="en-US"/>
           </a:p>
@@ -3570,10 +3570,13 @@
                         </m:e>
                         <m:sup>
                           <m:r>
-                            <a:rPr kumimoji="1" lang="en-US" altLang="ja-JP" b="0" i="1" smtClean="0">
+                            <m:rPr>
+                              <m:sty m:val="p"/>
+                            </m:rPr>
+                            <a:rPr kumimoji="1" lang="en-US" altLang="ja-JP" b="0" i="0" smtClean="0">
                               <a:latin typeface="Cambria Math"/>
                             </a:rPr>
-                            <m:t>𝑇</m:t>
+                            <m:t>T</m:t>
                           </m:r>
                         </m:sup>
                       </m:sSup>
@@ -3766,13 +3769,10 @@
                         </m:e>
                         <m:sup>
                           <m:r>
-                            <m:rPr>
-                              <m:sty m:val="p"/>
-                            </m:rPr>
-                            <a:rPr kumimoji="1" lang="en-US" altLang="ja-JP" b="0" i="0" smtClean="0">
+                            <a:rPr kumimoji="1" lang="en-US" altLang="ja-JP" b="0" i="1" smtClean="0">
                               <a:latin typeface="Cambria Math"/>
                             </a:rPr>
-                            <m:t>T</m:t>
+                            <m:t>𝑇</m:t>
                           </m:r>
                         </m:sup>
                       </m:sSup>
@@ -4319,8 +4319,8 @@
           </p:sp>
         </mc:Fallback>
       </mc:AlternateContent>
-      <mc:AlternateContent xmlns:mc="http://schemas.openxmlformats.org/markup-compatibility/2006">
-        <mc:Choice xmlns:a14="http://schemas.microsoft.com/office/drawing/2010/main" Requires="a14">
+      <mc:AlternateContent xmlns:mc="http://schemas.openxmlformats.org/markup-compatibility/2006" xmlns:a14="http://schemas.microsoft.com/office/drawing/2010/main">
+        <mc:Choice Requires="a14">
           <p:sp>
             <p:nvSpPr>
               <p:cNvPr id="13" name="テキスト ボックス 12"/>
@@ -4369,7 +4369,7 @@
             </p:txBody>
           </p:sp>
         </mc:Choice>
-        <mc:Fallback>
+        <mc:Fallback xmlns="">
           <p:sp>
             <p:nvSpPr>
               <p:cNvPr id="13" name="テキスト ボックス 12"/>
@@ -4413,8 +4413,8 @@
           </p:sp>
         </mc:Fallback>
       </mc:AlternateContent>
-      <mc:AlternateContent xmlns:mc="http://schemas.openxmlformats.org/markup-compatibility/2006">
-        <mc:Choice xmlns:a14="http://schemas.microsoft.com/office/drawing/2010/main" Requires="a14">
+      <mc:AlternateContent xmlns:mc="http://schemas.openxmlformats.org/markup-compatibility/2006" xmlns:a14="http://schemas.microsoft.com/office/drawing/2010/main">
+        <mc:Choice Requires="a14">
           <p:sp>
             <p:nvSpPr>
               <p:cNvPr id="14" name="テキスト ボックス 13"/>
@@ -4463,7 +4463,7 @@
             </p:txBody>
           </p:sp>
         </mc:Choice>
-        <mc:Fallback>
+        <mc:Fallback xmlns="">
           <p:sp>
             <p:nvSpPr>
               <p:cNvPr id="14" name="テキスト ボックス 13"/>
@@ -4684,13 +4684,10 @@
                         </m:e>
                         <m:sup>
                           <m:r>
-                            <m:rPr>
-                              <m:sty m:val="p"/>
-                            </m:rPr>
-                            <a:rPr kumimoji="1" lang="en-US" altLang="ja-JP" b="0" i="0" smtClean="0">
+                            <a:rPr kumimoji="1" lang="en-US" altLang="ja-JP" b="0" i="1" smtClean="0">
                               <a:latin typeface="Cambria Math"/>
                             </a:rPr>
-                            <m:t>T</m:t>
+                            <m:t>𝑇</m:t>
                           </m:r>
                         </m:sup>
                       </m:sSup>
@@ -4733,7 +4730,7 @@
               <a:blipFill rotWithShape="1">
                 <a:blip r:embed="rId10"/>
                 <a:stretch>
-                  <a:fillRect b="-12903"/>
+                  <a:fillRect b="-9677"/>
                 </a:stretch>
               </a:blipFill>
               <a:ln w="3175">

--- a/para-dep.pptx
+++ b/para-dep.pptx
@@ -104,7 +104,27 @@
       </a:defRPr>
     </a:lvl9pPr>
   </p:defaultTextStyle>
+  <p:extLst>
+    <p:ext uri="{EFAFB233-063F-42B5-8137-9DF3F51BA10A}">
+      <p15:sldGuideLst xmlns="" xmlns:p15="http://schemas.microsoft.com/office/powerpoint/2012/main">
+        <p15:guide id="1" orient="horz" pos="1082">
+          <p15:clr>
+            <a:srgbClr val="A4A3A4"/>
+          </p15:clr>
+        </p15:guide>
+        <p15:guide id="2" pos="1440">
+          <p15:clr>
+            <a:srgbClr val="A4A3A4"/>
+          </p15:clr>
+        </p15:guide>
+      </p15:sldGuideLst>
+    </p:ext>
+  </p:extLst>
 </p:presentation>
+</file>
+
+<file path=ppt/revisionInfo.xml><?xml version="1.0" encoding="utf-8"?>
+<p1510:revInfo xmlns:a="http://schemas.openxmlformats.org/drawingml/2006/main" xmlns:r="http://schemas.openxmlformats.org/officeDocument/2006/relationships" xmlns:p1510="http://schemas.microsoft.com/office/powerpoint/2015/10/main"/>
 </file>
 
 <file path=ppt/slideLayouts/slideLayout1.xml><?xml version="1.0" encoding="utf-8"?>
@@ -145,10 +165,9 @@
           <a:lstStyle/>
           <a:p>
             <a:r>
-              <a:rPr kumimoji="1" lang="ja-JP" altLang="en-US" smtClean="0"/>
+              <a:rPr kumimoji="1" lang="ja-JP" altLang="en-US"/>
               <a:t>マスター タイトルの書式設定</a:t>
             </a:r>
-            <a:endParaRPr kumimoji="1" lang="ja-JP" altLang="en-US"/>
           </a:p>
         </p:txBody>
       </p:sp>
@@ -264,10 +283,9 @@
           </a:lstStyle>
           <a:p>
             <a:r>
-              <a:rPr kumimoji="1" lang="ja-JP" altLang="en-US" smtClean="0"/>
+              <a:rPr kumimoji="1" lang="ja-JP" altLang="en-US"/>
               <a:t>マスター サブタイトルの書式設定</a:t>
             </a:r>
-            <a:endParaRPr kumimoji="1" lang="ja-JP" altLang="en-US"/>
           </a:p>
         </p:txBody>
       </p:sp>
@@ -288,7 +306,7 @@
           <a:p>
             <a:fld id="{3BCA5A0C-6EE6-4C53-A7D0-151740237538}" type="datetimeFigureOut">
               <a:rPr kumimoji="1" lang="ja-JP" altLang="en-US" smtClean="0"/>
-              <a:t>2017/4/23</a:t>
+              <a:t>2017/4/30</a:t>
             </a:fld>
             <a:endParaRPr kumimoji="1" lang="ja-JP" altLang="en-US"/>
           </a:p>
@@ -382,10 +400,9 @@
           <a:lstStyle/>
           <a:p>
             <a:r>
-              <a:rPr kumimoji="1" lang="ja-JP" altLang="en-US" smtClean="0"/>
+              <a:rPr kumimoji="1" lang="ja-JP" altLang="en-US"/>
               <a:t>マスター タイトルの書式設定</a:t>
             </a:r>
-            <a:endParaRPr kumimoji="1" lang="ja-JP" altLang="en-US"/>
           </a:p>
         </p:txBody>
       </p:sp>
@@ -406,70 +423,69 @@
           <a:p>
             <a:pPr lvl="0"/>
             <a:r>
-              <a:rPr kumimoji="1" lang="ja-JP" altLang="en-US" smtClean="0"/>
+              <a:rPr kumimoji="1" lang="ja-JP" altLang="en-US"/>
               <a:t>マスター テキストの書式設定</a:t>
             </a:r>
           </a:p>
           <a:p>
             <a:pPr lvl="1"/>
             <a:r>
-              <a:rPr kumimoji="1" lang="ja-JP" altLang="en-US" smtClean="0"/>
+              <a:rPr kumimoji="1" lang="ja-JP" altLang="en-US"/>
               <a:t>第 </a:t>
             </a:r>
             <a:r>
-              <a:rPr kumimoji="1" lang="en-US" altLang="ja-JP" smtClean="0"/>
+              <a:rPr kumimoji="1" lang="en-US" altLang="ja-JP"/>
               <a:t>2 </a:t>
             </a:r>
             <a:r>
-              <a:rPr kumimoji="1" lang="ja-JP" altLang="en-US" smtClean="0"/>
+              <a:rPr kumimoji="1" lang="ja-JP" altLang="en-US"/>
               <a:t>レベル</a:t>
             </a:r>
           </a:p>
           <a:p>
             <a:pPr lvl="2"/>
             <a:r>
-              <a:rPr kumimoji="1" lang="ja-JP" altLang="en-US" smtClean="0"/>
+              <a:rPr kumimoji="1" lang="ja-JP" altLang="en-US"/>
               <a:t>第 </a:t>
             </a:r>
             <a:r>
-              <a:rPr kumimoji="1" lang="en-US" altLang="ja-JP" smtClean="0"/>
+              <a:rPr kumimoji="1" lang="en-US" altLang="ja-JP"/>
               <a:t>3 </a:t>
             </a:r>
             <a:r>
-              <a:rPr kumimoji="1" lang="ja-JP" altLang="en-US" smtClean="0"/>
+              <a:rPr kumimoji="1" lang="ja-JP" altLang="en-US"/>
               <a:t>レベル</a:t>
             </a:r>
           </a:p>
           <a:p>
             <a:pPr lvl="3"/>
             <a:r>
-              <a:rPr kumimoji="1" lang="ja-JP" altLang="en-US" smtClean="0"/>
+              <a:rPr kumimoji="1" lang="ja-JP" altLang="en-US"/>
               <a:t>第 </a:t>
             </a:r>
             <a:r>
-              <a:rPr kumimoji="1" lang="en-US" altLang="ja-JP" smtClean="0"/>
+              <a:rPr kumimoji="1" lang="en-US" altLang="ja-JP"/>
               <a:t>4 </a:t>
             </a:r>
             <a:r>
-              <a:rPr kumimoji="1" lang="ja-JP" altLang="en-US" smtClean="0"/>
+              <a:rPr kumimoji="1" lang="ja-JP" altLang="en-US"/>
               <a:t>レベル</a:t>
             </a:r>
           </a:p>
           <a:p>
             <a:pPr lvl="4"/>
             <a:r>
-              <a:rPr kumimoji="1" lang="ja-JP" altLang="en-US" smtClean="0"/>
+              <a:rPr kumimoji="1" lang="ja-JP" altLang="en-US"/>
               <a:t>第 </a:t>
             </a:r>
             <a:r>
-              <a:rPr kumimoji="1" lang="en-US" altLang="ja-JP" smtClean="0"/>
+              <a:rPr kumimoji="1" lang="en-US" altLang="ja-JP"/>
               <a:t>5 </a:t>
             </a:r>
             <a:r>
-              <a:rPr kumimoji="1" lang="ja-JP" altLang="en-US" smtClean="0"/>
+              <a:rPr kumimoji="1" lang="ja-JP" altLang="en-US"/>
               <a:t>レベル</a:t>
             </a:r>
-            <a:endParaRPr kumimoji="1" lang="ja-JP" altLang="en-US"/>
           </a:p>
         </p:txBody>
       </p:sp>
@@ -490,7 +506,7 @@
           <a:p>
             <a:fld id="{3BCA5A0C-6EE6-4C53-A7D0-151740237538}" type="datetimeFigureOut">
               <a:rPr kumimoji="1" lang="ja-JP" altLang="en-US" smtClean="0"/>
-              <a:t>2017/4/23</a:t>
+              <a:t>2017/4/30</a:t>
             </a:fld>
             <a:endParaRPr kumimoji="1" lang="ja-JP" altLang="en-US"/>
           </a:p>
@@ -589,10 +605,9 @@
           <a:lstStyle/>
           <a:p>
             <a:r>
-              <a:rPr kumimoji="1" lang="ja-JP" altLang="en-US" smtClean="0"/>
+              <a:rPr kumimoji="1" lang="ja-JP" altLang="en-US"/>
               <a:t>マスター タイトルの書式設定</a:t>
             </a:r>
-            <a:endParaRPr kumimoji="1" lang="ja-JP" altLang="en-US"/>
           </a:p>
         </p:txBody>
       </p:sp>
@@ -618,70 +633,69 @@
           <a:p>
             <a:pPr lvl="0"/>
             <a:r>
-              <a:rPr kumimoji="1" lang="ja-JP" altLang="en-US" smtClean="0"/>
+              <a:rPr kumimoji="1" lang="ja-JP" altLang="en-US"/>
               <a:t>マスター テキストの書式設定</a:t>
             </a:r>
           </a:p>
           <a:p>
             <a:pPr lvl="1"/>
             <a:r>
-              <a:rPr kumimoji="1" lang="ja-JP" altLang="en-US" smtClean="0"/>
+              <a:rPr kumimoji="1" lang="ja-JP" altLang="en-US"/>
               <a:t>第 </a:t>
             </a:r>
             <a:r>
-              <a:rPr kumimoji="1" lang="en-US" altLang="ja-JP" smtClean="0"/>
+              <a:rPr kumimoji="1" lang="en-US" altLang="ja-JP"/>
               <a:t>2 </a:t>
             </a:r>
             <a:r>
-              <a:rPr kumimoji="1" lang="ja-JP" altLang="en-US" smtClean="0"/>
+              <a:rPr kumimoji="1" lang="ja-JP" altLang="en-US"/>
               <a:t>レベル</a:t>
             </a:r>
           </a:p>
           <a:p>
             <a:pPr lvl="2"/>
             <a:r>
-              <a:rPr kumimoji="1" lang="ja-JP" altLang="en-US" smtClean="0"/>
+              <a:rPr kumimoji="1" lang="ja-JP" altLang="en-US"/>
               <a:t>第 </a:t>
             </a:r>
             <a:r>
-              <a:rPr kumimoji="1" lang="en-US" altLang="ja-JP" smtClean="0"/>
+              <a:rPr kumimoji="1" lang="en-US" altLang="ja-JP"/>
               <a:t>3 </a:t>
             </a:r>
             <a:r>
-              <a:rPr kumimoji="1" lang="ja-JP" altLang="en-US" smtClean="0"/>
+              <a:rPr kumimoji="1" lang="ja-JP" altLang="en-US"/>
               <a:t>レベル</a:t>
             </a:r>
           </a:p>
           <a:p>
             <a:pPr lvl="3"/>
             <a:r>
-              <a:rPr kumimoji="1" lang="ja-JP" altLang="en-US" smtClean="0"/>
+              <a:rPr kumimoji="1" lang="ja-JP" altLang="en-US"/>
               <a:t>第 </a:t>
             </a:r>
             <a:r>
-              <a:rPr kumimoji="1" lang="en-US" altLang="ja-JP" smtClean="0"/>
+              <a:rPr kumimoji="1" lang="en-US" altLang="ja-JP"/>
               <a:t>4 </a:t>
             </a:r>
             <a:r>
-              <a:rPr kumimoji="1" lang="ja-JP" altLang="en-US" smtClean="0"/>
+              <a:rPr kumimoji="1" lang="ja-JP" altLang="en-US"/>
               <a:t>レベル</a:t>
             </a:r>
           </a:p>
           <a:p>
             <a:pPr lvl="4"/>
             <a:r>
-              <a:rPr kumimoji="1" lang="ja-JP" altLang="en-US" smtClean="0"/>
+              <a:rPr kumimoji="1" lang="ja-JP" altLang="en-US"/>
               <a:t>第 </a:t>
             </a:r>
             <a:r>
-              <a:rPr kumimoji="1" lang="en-US" altLang="ja-JP" smtClean="0"/>
+              <a:rPr kumimoji="1" lang="en-US" altLang="ja-JP"/>
               <a:t>5 </a:t>
             </a:r>
             <a:r>
-              <a:rPr kumimoji="1" lang="ja-JP" altLang="en-US" smtClean="0"/>
+              <a:rPr kumimoji="1" lang="ja-JP" altLang="en-US"/>
               <a:t>レベル</a:t>
             </a:r>
-            <a:endParaRPr kumimoji="1" lang="ja-JP" altLang="en-US"/>
           </a:p>
         </p:txBody>
       </p:sp>
@@ -702,7 +716,7 @@
           <a:p>
             <a:fld id="{3BCA5A0C-6EE6-4C53-A7D0-151740237538}" type="datetimeFigureOut">
               <a:rPr kumimoji="1" lang="ja-JP" altLang="en-US" smtClean="0"/>
-              <a:t>2017/4/23</a:t>
+              <a:t>2017/4/30</a:t>
             </a:fld>
             <a:endParaRPr kumimoji="1" lang="ja-JP" altLang="en-US"/>
           </a:p>
@@ -796,10 +810,9 @@
           <a:lstStyle/>
           <a:p>
             <a:r>
-              <a:rPr kumimoji="1" lang="ja-JP" altLang="en-US" smtClean="0"/>
+              <a:rPr kumimoji="1" lang="ja-JP" altLang="en-US"/>
               <a:t>マスター タイトルの書式設定</a:t>
             </a:r>
-            <a:endParaRPr kumimoji="1" lang="ja-JP" altLang="en-US"/>
           </a:p>
         </p:txBody>
       </p:sp>
@@ -820,70 +833,69 @@
           <a:p>
             <a:pPr lvl="0"/>
             <a:r>
-              <a:rPr kumimoji="1" lang="ja-JP" altLang="en-US" smtClean="0"/>
+              <a:rPr kumimoji="1" lang="ja-JP" altLang="en-US"/>
               <a:t>マスター テキストの書式設定</a:t>
             </a:r>
           </a:p>
           <a:p>
             <a:pPr lvl="1"/>
             <a:r>
-              <a:rPr kumimoji="1" lang="ja-JP" altLang="en-US" smtClean="0"/>
+              <a:rPr kumimoji="1" lang="ja-JP" altLang="en-US"/>
               <a:t>第 </a:t>
             </a:r>
             <a:r>
-              <a:rPr kumimoji="1" lang="en-US" altLang="ja-JP" smtClean="0"/>
+              <a:rPr kumimoji="1" lang="en-US" altLang="ja-JP"/>
               <a:t>2 </a:t>
             </a:r>
             <a:r>
-              <a:rPr kumimoji="1" lang="ja-JP" altLang="en-US" smtClean="0"/>
+              <a:rPr kumimoji="1" lang="ja-JP" altLang="en-US"/>
               <a:t>レベル</a:t>
             </a:r>
           </a:p>
           <a:p>
             <a:pPr lvl="2"/>
             <a:r>
-              <a:rPr kumimoji="1" lang="ja-JP" altLang="en-US" smtClean="0"/>
+              <a:rPr kumimoji="1" lang="ja-JP" altLang="en-US"/>
               <a:t>第 </a:t>
             </a:r>
             <a:r>
-              <a:rPr kumimoji="1" lang="en-US" altLang="ja-JP" smtClean="0"/>
+              <a:rPr kumimoji="1" lang="en-US" altLang="ja-JP"/>
               <a:t>3 </a:t>
             </a:r>
             <a:r>
-              <a:rPr kumimoji="1" lang="ja-JP" altLang="en-US" smtClean="0"/>
+              <a:rPr kumimoji="1" lang="ja-JP" altLang="en-US"/>
               <a:t>レベル</a:t>
             </a:r>
           </a:p>
           <a:p>
             <a:pPr lvl="3"/>
             <a:r>
-              <a:rPr kumimoji="1" lang="ja-JP" altLang="en-US" smtClean="0"/>
+              <a:rPr kumimoji="1" lang="ja-JP" altLang="en-US"/>
               <a:t>第 </a:t>
             </a:r>
             <a:r>
-              <a:rPr kumimoji="1" lang="en-US" altLang="ja-JP" smtClean="0"/>
+              <a:rPr kumimoji="1" lang="en-US" altLang="ja-JP"/>
               <a:t>4 </a:t>
             </a:r>
             <a:r>
-              <a:rPr kumimoji="1" lang="ja-JP" altLang="en-US" smtClean="0"/>
+              <a:rPr kumimoji="1" lang="ja-JP" altLang="en-US"/>
               <a:t>レベル</a:t>
             </a:r>
           </a:p>
           <a:p>
             <a:pPr lvl="4"/>
             <a:r>
-              <a:rPr kumimoji="1" lang="ja-JP" altLang="en-US" smtClean="0"/>
+              <a:rPr kumimoji="1" lang="ja-JP" altLang="en-US"/>
               <a:t>第 </a:t>
             </a:r>
             <a:r>
-              <a:rPr kumimoji="1" lang="en-US" altLang="ja-JP" smtClean="0"/>
+              <a:rPr kumimoji="1" lang="en-US" altLang="ja-JP"/>
               <a:t>5 </a:t>
             </a:r>
             <a:r>
-              <a:rPr kumimoji="1" lang="ja-JP" altLang="en-US" smtClean="0"/>
+              <a:rPr kumimoji="1" lang="ja-JP" altLang="en-US"/>
               <a:t>レベル</a:t>
             </a:r>
-            <a:endParaRPr kumimoji="1" lang="ja-JP" altLang="en-US"/>
           </a:p>
         </p:txBody>
       </p:sp>
@@ -904,7 +916,7 @@
           <a:p>
             <a:fld id="{3BCA5A0C-6EE6-4C53-A7D0-151740237538}" type="datetimeFigureOut">
               <a:rPr kumimoji="1" lang="ja-JP" altLang="en-US" smtClean="0"/>
-              <a:t>2017/4/23</a:t>
+              <a:t>2017/4/30</a:t>
             </a:fld>
             <a:endParaRPr kumimoji="1" lang="ja-JP" altLang="en-US"/>
           </a:p>
@@ -1007,10 +1019,9 @@
           </a:lstStyle>
           <a:p>
             <a:r>
-              <a:rPr kumimoji="1" lang="ja-JP" altLang="en-US" smtClean="0"/>
+              <a:rPr kumimoji="1" lang="ja-JP" altLang="en-US"/>
               <a:t>マスター タイトルの書式設定</a:t>
             </a:r>
-            <a:endParaRPr kumimoji="1" lang="ja-JP" altLang="en-US"/>
           </a:p>
         </p:txBody>
       </p:sp>
@@ -1127,7 +1138,7 @@
           <a:p>
             <a:pPr lvl="0"/>
             <a:r>
-              <a:rPr kumimoji="1" lang="ja-JP" altLang="en-US" smtClean="0"/>
+              <a:rPr kumimoji="1" lang="ja-JP" altLang="en-US"/>
               <a:t>マスター テキストの書式設定</a:t>
             </a:r>
           </a:p>
@@ -1150,7 +1161,7 @@
           <a:p>
             <a:fld id="{3BCA5A0C-6EE6-4C53-A7D0-151740237538}" type="datetimeFigureOut">
               <a:rPr kumimoji="1" lang="ja-JP" altLang="en-US" smtClean="0"/>
-              <a:t>2017/4/23</a:t>
+              <a:t>2017/4/30</a:t>
             </a:fld>
             <a:endParaRPr kumimoji="1" lang="ja-JP" altLang="en-US"/>
           </a:p>
@@ -1244,10 +1255,9 @@
           <a:lstStyle/>
           <a:p>
             <a:r>
-              <a:rPr kumimoji="1" lang="ja-JP" altLang="en-US" smtClean="0"/>
+              <a:rPr kumimoji="1" lang="ja-JP" altLang="en-US"/>
               <a:t>マスター タイトルの書式設定</a:t>
             </a:r>
-            <a:endParaRPr kumimoji="1" lang="ja-JP" altLang="en-US"/>
           </a:p>
         </p:txBody>
       </p:sp>
@@ -1301,70 +1311,69 @@
           <a:p>
             <a:pPr lvl="0"/>
             <a:r>
-              <a:rPr kumimoji="1" lang="ja-JP" altLang="en-US" smtClean="0"/>
+              <a:rPr kumimoji="1" lang="ja-JP" altLang="en-US"/>
               <a:t>マスター テキストの書式設定</a:t>
             </a:r>
           </a:p>
           <a:p>
             <a:pPr lvl="1"/>
             <a:r>
-              <a:rPr kumimoji="1" lang="ja-JP" altLang="en-US" smtClean="0"/>
+              <a:rPr kumimoji="1" lang="ja-JP" altLang="en-US"/>
               <a:t>第 </a:t>
             </a:r>
             <a:r>
-              <a:rPr kumimoji="1" lang="en-US" altLang="ja-JP" smtClean="0"/>
+              <a:rPr kumimoji="1" lang="en-US" altLang="ja-JP"/>
               <a:t>2 </a:t>
             </a:r>
             <a:r>
-              <a:rPr kumimoji="1" lang="ja-JP" altLang="en-US" smtClean="0"/>
+              <a:rPr kumimoji="1" lang="ja-JP" altLang="en-US"/>
               <a:t>レベル</a:t>
             </a:r>
           </a:p>
           <a:p>
             <a:pPr lvl="2"/>
             <a:r>
-              <a:rPr kumimoji="1" lang="ja-JP" altLang="en-US" smtClean="0"/>
+              <a:rPr kumimoji="1" lang="ja-JP" altLang="en-US"/>
               <a:t>第 </a:t>
             </a:r>
             <a:r>
-              <a:rPr kumimoji="1" lang="en-US" altLang="ja-JP" smtClean="0"/>
+              <a:rPr kumimoji="1" lang="en-US" altLang="ja-JP"/>
               <a:t>3 </a:t>
             </a:r>
             <a:r>
-              <a:rPr kumimoji="1" lang="ja-JP" altLang="en-US" smtClean="0"/>
+              <a:rPr kumimoji="1" lang="ja-JP" altLang="en-US"/>
               <a:t>レベル</a:t>
             </a:r>
           </a:p>
           <a:p>
             <a:pPr lvl="3"/>
             <a:r>
-              <a:rPr kumimoji="1" lang="ja-JP" altLang="en-US" smtClean="0"/>
+              <a:rPr kumimoji="1" lang="ja-JP" altLang="en-US"/>
               <a:t>第 </a:t>
             </a:r>
             <a:r>
-              <a:rPr kumimoji="1" lang="en-US" altLang="ja-JP" smtClean="0"/>
+              <a:rPr kumimoji="1" lang="en-US" altLang="ja-JP"/>
               <a:t>4 </a:t>
             </a:r>
             <a:r>
-              <a:rPr kumimoji="1" lang="ja-JP" altLang="en-US" smtClean="0"/>
+              <a:rPr kumimoji="1" lang="ja-JP" altLang="en-US"/>
               <a:t>レベル</a:t>
             </a:r>
           </a:p>
           <a:p>
             <a:pPr lvl="4"/>
             <a:r>
-              <a:rPr kumimoji="1" lang="ja-JP" altLang="en-US" smtClean="0"/>
+              <a:rPr kumimoji="1" lang="ja-JP" altLang="en-US"/>
               <a:t>第 </a:t>
             </a:r>
             <a:r>
-              <a:rPr kumimoji="1" lang="en-US" altLang="ja-JP" smtClean="0"/>
+              <a:rPr kumimoji="1" lang="en-US" altLang="ja-JP"/>
               <a:t>5 </a:t>
             </a:r>
             <a:r>
-              <a:rPr kumimoji="1" lang="ja-JP" altLang="en-US" smtClean="0"/>
+              <a:rPr kumimoji="1" lang="ja-JP" altLang="en-US"/>
               <a:t>レベル</a:t>
             </a:r>
-            <a:endParaRPr kumimoji="1" lang="ja-JP" altLang="en-US"/>
           </a:p>
         </p:txBody>
       </p:sp>
@@ -1418,70 +1427,69 @@
           <a:p>
             <a:pPr lvl="0"/>
             <a:r>
-              <a:rPr kumimoji="1" lang="ja-JP" altLang="en-US" smtClean="0"/>
+              <a:rPr kumimoji="1" lang="ja-JP" altLang="en-US"/>
               <a:t>マスター テキストの書式設定</a:t>
             </a:r>
           </a:p>
           <a:p>
             <a:pPr lvl="1"/>
             <a:r>
-              <a:rPr kumimoji="1" lang="ja-JP" altLang="en-US" smtClean="0"/>
+              <a:rPr kumimoji="1" lang="ja-JP" altLang="en-US"/>
               <a:t>第 </a:t>
             </a:r>
             <a:r>
-              <a:rPr kumimoji="1" lang="en-US" altLang="ja-JP" smtClean="0"/>
+              <a:rPr kumimoji="1" lang="en-US" altLang="ja-JP"/>
               <a:t>2 </a:t>
             </a:r>
             <a:r>
-              <a:rPr kumimoji="1" lang="ja-JP" altLang="en-US" smtClean="0"/>
+              <a:rPr kumimoji="1" lang="ja-JP" altLang="en-US"/>
               <a:t>レベル</a:t>
             </a:r>
           </a:p>
           <a:p>
             <a:pPr lvl="2"/>
             <a:r>
-              <a:rPr kumimoji="1" lang="ja-JP" altLang="en-US" smtClean="0"/>
+              <a:rPr kumimoji="1" lang="ja-JP" altLang="en-US"/>
               <a:t>第 </a:t>
             </a:r>
             <a:r>
-              <a:rPr kumimoji="1" lang="en-US" altLang="ja-JP" smtClean="0"/>
+              <a:rPr kumimoji="1" lang="en-US" altLang="ja-JP"/>
               <a:t>3 </a:t>
             </a:r>
             <a:r>
-              <a:rPr kumimoji="1" lang="ja-JP" altLang="en-US" smtClean="0"/>
+              <a:rPr kumimoji="1" lang="ja-JP" altLang="en-US"/>
               <a:t>レベル</a:t>
             </a:r>
           </a:p>
           <a:p>
             <a:pPr lvl="3"/>
             <a:r>
-              <a:rPr kumimoji="1" lang="ja-JP" altLang="en-US" smtClean="0"/>
+              <a:rPr kumimoji="1" lang="ja-JP" altLang="en-US"/>
               <a:t>第 </a:t>
             </a:r>
             <a:r>
-              <a:rPr kumimoji="1" lang="en-US" altLang="ja-JP" smtClean="0"/>
+              <a:rPr kumimoji="1" lang="en-US" altLang="ja-JP"/>
               <a:t>4 </a:t>
             </a:r>
             <a:r>
-              <a:rPr kumimoji="1" lang="ja-JP" altLang="en-US" smtClean="0"/>
+              <a:rPr kumimoji="1" lang="ja-JP" altLang="en-US"/>
               <a:t>レベル</a:t>
             </a:r>
           </a:p>
           <a:p>
             <a:pPr lvl="4"/>
             <a:r>
-              <a:rPr kumimoji="1" lang="ja-JP" altLang="en-US" smtClean="0"/>
+              <a:rPr kumimoji="1" lang="ja-JP" altLang="en-US"/>
               <a:t>第 </a:t>
             </a:r>
             <a:r>
-              <a:rPr kumimoji="1" lang="en-US" altLang="ja-JP" smtClean="0"/>
+              <a:rPr kumimoji="1" lang="en-US" altLang="ja-JP"/>
               <a:t>5 </a:t>
             </a:r>
             <a:r>
-              <a:rPr kumimoji="1" lang="ja-JP" altLang="en-US" smtClean="0"/>
+              <a:rPr kumimoji="1" lang="ja-JP" altLang="en-US"/>
               <a:t>レベル</a:t>
             </a:r>
-            <a:endParaRPr kumimoji="1" lang="ja-JP" altLang="en-US"/>
           </a:p>
         </p:txBody>
       </p:sp>
@@ -1502,7 +1510,7 @@
           <a:p>
             <a:fld id="{3BCA5A0C-6EE6-4C53-A7D0-151740237538}" type="datetimeFigureOut">
               <a:rPr kumimoji="1" lang="ja-JP" altLang="en-US" smtClean="0"/>
-              <a:t>2017/4/23</a:t>
+              <a:t>2017/4/30</a:t>
             </a:fld>
             <a:endParaRPr kumimoji="1" lang="ja-JP" altLang="en-US"/>
           </a:p>
@@ -1600,10 +1608,9 @@
           </a:lstStyle>
           <a:p>
             <a:r>
-              <a:rPr kumimoji="1" lang="ja-JP" altLang="en-US" smtClean="0"/>
+              <a:rPr kumimoji="1" lang="ja-JP" altLang="en-US"/>
               <a:t>マスター タイトルの書式設定</a:t>
             </a:r>
-            <a:endParaRPr kumimoji="1" lang="ja-JP" altLang="en-US"/>
           </a:p>
         </p:txBody>
       </p:sp>
@@ -1666,7 +1673,7 @@
           <a:p>
             <a:pPr lvl="0"/>
             <a:r>
-              <a:rPr kumimoji="1" lang="ja-JP" altLang="en-US" smtClean="0"/>
+              <a:rPr kumimoji="1" lang="ja-JP" altLang="en-US"/>
               <a:t>マスター テキストの書式設定</a:t>
             </a:r>
           </a:p>
@@ -1722,70 +1729,69 @@
           <a:p>
             <a:pPr lvl="0"/>
             <a:r>
-              <a:rPr kumimoji="1" lang="ja-JP" altLang="en-US" smtClean="0"/>
+              <a:rPr kumimoji="1" lang="ja-JP" altLang="en-US"/>
               <a:t>マスター テキストの書式設定</a:t>
             </a:r>
           </a:p>
           <a:p>
             <a:pPr lvl="1"/>
             <a:r>
-              <a:rPr kumimoji="1" lang="ja-JP" altLang="en-US" smtClean="0"/>
+              <a:rPr kumimoji="1" lang="ja-JP" altLang="en-US"/>
               <a:t>第 </a:t>
             </a:r>
             <a:r>
-              <a:rPr kumimoji="1" lang="en-US" altLang="ja-JP" smtClean="0"/>
+              <a:rPr kumimoji="1" lang="en-US" altLang="ja-JP"/>
               <a:t>2 </a:t>
             </a:r>
             <a:r>
-              <a:rPr kumimoji="1" lang="ja-JP" altLang="en-US" smtClean="0"/>
+              <a:rPr kumimoji="1" lang="ja-JP" altLang="en-US"/>
               <a:t>レベル</a:t>
             </a:r>
           </a:p>
           <a:p>
             <a:pPr lvl="2"/>
             <a:r>
-              <a:rPr kumimoji="1" lang="ja-JP" altLang="en-US" smtClean="0"/>
+              <a:rPr kumimoji="1" lang="ja-JP" altLang="en-US"/>
               <a:t>第 </a:t>
             </a:r>
             <a:r>
-              <a:rPr kumimoji="1" lang="en-US" altLang="ja-JP" smtClean="0"/>
+              <a:rPr kumimoji="1" lang="en-US" altLang="ja-JP"/>
               <a:t>3 </a:t>
             </a:r>
             <a:r>
-              <a:rPr kumimoji="1" lang="ja-JP" altLang="en-US" smtClean="0"/>
+              <a:rPr kumimoji="1" lang="ja-JP" altLang="en-US"/>
               <a:t>レベル</a:t>
             </a:r>
           </a:p>
           <a:p>
             <a:pPr lvl="3"/>
             <a:r>
-              <a:rPr kumimoji="1" lang="ja-JP" altLang="en-US" smtClean="0"/>
+              <a:rPr kumimoji="1" lang="ja-JP" altLang="en-US"/>
               <a:t>第 </a:t>
             </a:r>
             <a:r>
-              <a:rPr kumimoji="1" lang="en-US" altLang="ja-JP" smtClean="0"/>
+              <a:rPr kumimoji="1" lang="en-US" altLang="ja-JP"/>
               <a:t>4 </a:t>
             </a:r>
             <a:r>
-              <a:rPr kumimoji="1" lang="ja-JP" altLang="en-US" smtClean="0"/>
+              <a:rPr kumimoji="1" lang="ja-JP" altLang="en-US"/>
               <a:t>レベル</a:t>
             </a:r>
           </a:p>
           <a:p>
             <a:pPr lvl="4"/>
             <a:r>
-              <a:rPr kumimoji="1" lang="ja-JP" altLang="en-US" smtClean="0"/>
+              <a:rPr kumimoji="1" lang="ja-JP" altLang="en-US"/>
               <a:t>第 </a:t>
             </a:r>
             <a:r>
-              <a:rPr kumimoji="1" lang="en-US" altLang="ja-JP" smtClean="0"/>
+              <a:rPr kumimoji="1" lang="en-US" altLang="ja-JP"/>
               <a:t>5 </a:t>
             </a:r>
             <a:r>
-              <a:rPr kumimoji="1" lang="ja-JP" altLang="en-US" smtClean="0"/>
+              <a:rPr kumimoji="1" lang="ja-JP" altLang="en-US"/>
               <a:t>レベル</a:t>
             </a:r>
-            <a:endParaRPr kumimoji="1" lang="ja-JP" altLang="en-US"/>
           </a:p>
         </p:txBody>
       </p:sp>
@@ -1848,7 +1854,7 @@
           <a:p>
             <a:pPr lvl="0"/>
             <a:r>
-              <a:rPr kumimoji="1" lang="ja-JP" altLang="en-US" smtClean="0"/>
+              <a:rPr kumimoji="1" lang="ja-JP" altLang="en-US"/>
               <a:t>マスター テキストの書式設定</a:t>
             </a:r>
           </a:p>
@@ -1904,70 +1910,69 @@
           <a:p>
             <a:pPr lvl="0"/>
             <a:r>
-              <a:rPr kumimoji="1" lang="ja-JP" altLang="en-US" smtClean="0"/>
+              <a:rPr kumimoji="1" lang="ja-JP" altLang="en-US"/>
               <a:t>マスター テキストの書式設定</a:t>
             </a:r>
           </a:p>
           <a:p>
             <a:pPr lvl="1"/>
             <a:r>
-              <a:rPr kumimoji="1" lang="ja-JP" altLang="en-US" smtClean="0"/>
+              <a:rPr kumimoji="1" lang="ja-JP" altLang="en-US"/>
               <a:t>第 </a:t>
             </a:r>
             <a:r>
-              <a:rPr kumimoji="1" lang="en-US" altLang="ja-JP" smtClean="0"/>
+              <a:rPr kumimoji="1" lang="en-US" altLang="ja-JP"/>
               <a:t>2 </a:t>
             </a:r>
             <a:r>
-              <a:rPr kumimoji="1" lang="ja-JP" altLang="en-US" smtClean="0"/>
+              <a:rPr kumimoji="1" lang="ja-JP" altLang="en-US"/>
               <a:t>レベル</a:t>
             </a:r>
           </a:p>
           <a:p>
             <a:pPr lvl="2"/>
             <a:r>
-              <a:rPr kumimoji="1" lang="ja-JP" altLang="en-US" smtClean="0"/>
+              <a:rPr kumimoji="1" lang="ja-JP" altLang="en-US"/>
               <a:t>第 </a:t>
             </a:r>
             <a:r>
-              <a:rPr kumimoji="1" lang="en-US" altLang="ja-JP" smtClean="0"/>
+              <a:rPr kumimoji="1" lang="en-US" altLang="ja-JP"/>
               <a:t>3 </a:t>
             </a:r>
             <a:r>
-              <a:rPr kumimoji="1" lang="ja-JP" altLang="en-US" smtClean="0"/>
+              <a:rPr kumimoji="1" lang="ja-JP" altLang="en-US"/>
               <a:t>レベル</a:t>
             </a:r>
           </a:p>
           <a:p>
             <a:pPr lvl="3"/>
             <a:r>
-              <a:rPr kumimoji="1" lang="ja-JP" altLang="en-US" smtClean="0"/>
+              <a:rPr kumimoji="1" lang="ja-JP" altLang="en-US"/>
               <a:t>第 </a:t>
             </a:r>
             <a:r>
-              <a:rPr kumimoji="1" lang="en-US" altLang="ja-JP" smtClean="0"/>
+              <a:rPr kumimoji="1" lang="en-US" altLang="ja-JP"/>
               <a:t>4 </a:t>
             </a:r>
             <a:r>
-              <a:rPr kumimoji="1" lang="ja-JP" altLang="en-US" smtClean="0"/>
+              <a:rPr kumimoji="1" lang="ja-JP" altLang="en-US"/>
               <a:t>レベル</a:t>
             </a:r>
           </a:p>
           <a:p>
             <a:pPr lvl="4"/>
             <a:r>
-              <a:rPr kumimoji="1" lang="ja-JP" altLang="en-US" smtClean="0"/>
+              <a:rPr kumimoji="1" lang="ja-JP" altLang="en-US"/>
               <a:t>第 </a:t>
             </a:r>
             <a:r>
-              <a:rPr kumimoji="1" lang="en-US" altLang="ja-JP" smtClean="0"/>
+              <a:rPr kumimoji="1" lang="en-US" altLang="ja-JP"/>
               <a:t>5 </a:t>
             </a:r>
             <a:r>
-              <a:rPr kumimoji="1" lang="ja-JP" altLang="en-US" smtClean="0"/>
+              <a:rPr kumimoji="1" lang="ja-JP" altLang="en-US"/>
               <a:t>レベル</a:t>
             </a:r>
-            <a:endParaRPr kumimoji="1" lang="ja-JP" altLang="en-US"/>
           </a:p>
         </p:txBody>
       </p:sp>
@@ -1988,7 +1993,7 @@
           <a:p>
             <a:fld id="{3BCA5A0C-6EE6-4C53-A7D0-151740237538}" type="datetimeFigureOut">
               <a:rPr kumimoji="1" lang="ja-JP" altLang="en-US" smtClean="0"/>
-              <a:t>2017/4/23</a:t>
+              <a:t>2017/4/30</a:t>
             </a:fld>
             <a:endParaRPr kumimoji="1" lang="ja-JP" altLang="en-US"/>
           </a:p>
@@ -2082,10 +2087,9 @@
           <a:lstStyle/>
           <a:p>
             <a:r>
-              <a:rPr kumimoji="1" lang="ja-JP" altLang="en-US" smtClean="0"/>
+              <a:rPr kumimoji="1" lang="ja-JP" altLang="en-US"/>
               <a:t>マスター タイトルの書式設定</a:t>
             </a:r>
-            <a:endParaRPr kumimoji="1" lang="ja-JP" altLang="en-US"/>
           </a:p>
         </p:txBody>
       </p:sp>
@@ -2106,7 +2110,7 @@
           <a:p>
             <a:fld id="{3BCA5A0C-6EE6-4C53-A7D0-151740237538}" type="datetimeFigureOut">
               <a:rPr kumimoji="1" lang="ja-JP" altLang="en-US" smtClean="0"/>
-              <a:t>2017/4/23</a:t>
+              <a:t>2017/4/30</a:t>
             </a:fld>
             <a:endParaRPr kumimoji="1" lang="ja-JP" altLang="en-US"/>
           </a:p>
@@ -2201,7 +2205,7 @@
           <a:p>
             <a:fld id="{3BCA5A0C-6EE6-4C53-A7D0-151740237538}" type="datetimeFigureOut">
               <a:rPr kumimoji="1" lang="ja-JP" altLang="en-US" smtClean="0"/>
-              <a:t>2017/4/23</a:t>
+              <a:t>2017/4/30</a:t>
             </a:fld>
             <a:endParaRPr kumimoji="1" lang="ja-JP" altLang="en-US"/>
           </a:p>
@@ -2304,10 +2308,9 @@
           </a:lstStyle>
           <a:p>
             <a:r>
-              <a:rPr kumimoji="1" lang="ja-JP" altLang="en-US" smtClean="0"/>
+              <a:rPr kumimoji="1" lang="ja-JP" altLang="en-US"/>
               <a:t>マスター タイトルの書式設定</a:t>
             </a:r>
-            <a:endParaRPr kumimoji="1" lang="ja-JP" altLang="en-US"/>
           </a:p>
         </p:txBody>
       </p:sp>
@@ -2361,70 +2364,69 @@
           <a:p>
             <a:pPr lvl="0"/>
             <a:r>
-              <a:rPr kumimoji="1" lang="ja-JP" altLang="en-US" smtClean="0"/>
+              <a:rPr kumimoji="1" lang="ja-JP" altLang="en-US"/>
               <a:t>マスター テキストの書式設定</a:t>
             </a:r>
           </a:p>
           <a:p>
             <a:pPr lvl="1"/>
             <a:r>
-              <a:rPr kumimoji="1" lang="ja-JP" altLang="en-US" smtClean="0"/>
+              <a:rPr kumimoji="1" lang="ja-JP" altLang="en-US"/>
               <a:t>第 </a:t>
             </a:r>
             <a:r>
-              <a:rPr kumimoji="1" lang="en-US" altLang="ja-JP" smtClean="0"/>
+              <a:rPr kumimoji="1" lang="en-US" altLang="ja-JP"/>
               <a:t>2 </a:t>
             </a:r>
             <a:r>
-              <a:rPr kumimoji="1" lang="ja-JP" altLang="en-US" smtClean="0"/>
+              <a:rPr kumimoji="1" lang="ja-JP" altLang="en-US"/>
               <a:t>レベル</a:t>
             </a:r>
           </a:p>
           <a:p>
             <a:pPr lvl="2"/>
             <a:r>
-              <a:rPr kumimoji="1" lang="ja-JP" altLang="en-US" smtClean="0"/>
+              <a:rPr kumimoji="1" lang="ja-JP" altLang="en-US"/>
               <a:t>第 </a:t>
             </a:r>
             <a:r>
-              <a:rPr kumimoji="1" lang="en-US" altLang="ja-JP" smtClean="0"/>
+              <a:rPr kumimoji="1" lang="en-US" altLang="ja-JP"/>
               <a:t>3 </a:t>
             </a:r>
             <a:r>
-              <a:rPr kumimoji="1" lang="ja-JP" altLang="en-US" smtClean="0"/>
+              <a:rPr kumimoji="1" lang="ja-JP" altLang="en-US"/>
               <a:t>レベル</a:t>
             </a:r>
           </a:p>
           <a:p>
             <a:pPr lvl="3"/>
             <a:r>
-              <a:rPr kumimoji="1" lang="ja-JP" altLang="en-US" smtClean="0"/>
+              <a:rPr kumimoji="1" lang="ja-JP" altLang="en-US"/>
               <a:t>第 </a:t>
             </a:r>
             <a:r>
-              <a:rPr kumimoji="1" lang="en-US" altLang="ja-JP" smtClean="0"/>
+              <a:rPr kumimoji="1" lang="en-US" altLang="ja-JP"/>
               <a:t>4 </a:t>
             </a:r>
             <a:r>
-              <a:rPr kumimoji="1" lang="ja-JP" altLang="en-US" smtClean="0"/>
+              <a:rPr kumimoji="1" lang="ja-JP" altLang="en-US"/>
               <a:t>レベル</a:t>
             </a:r>
           </a:p>
           <a:p>
             <a:pPr lvl="4"/>
             <a:r>
-              <a:rPr kumimoji="1" lang="ja-JP" altLang="en-US" smtClean="0"/>
+              <a:rPr kumimoji="1" lang="ja-JP" altLang="en-US"/>
               <a:t>第 </a:t>
             </a:r>
             <a:r>
-              <a:rPr kumimoji="1" lang="en-US" altLang="ja-JP" smtClean="0"/>
+              <a:rPr kumimoji="1" lang="en-US" altLang="ja-JP"/>
               <a:t>5 </a:t>
             </a:r>
             <a:r>
-              <a:rPr kumimoji="1" lang="ja-JP" altLang="en-US" smtClean="0"/>
+              <a:rPr kumimoji="1" lang="ja-JP" altLang="en-US"/>
               <a:t>レベル</a:t>
             </a:r>
-            <a:endParaRPr kumimoji="1" lang="ja-JP" altLang="en-US"/>
           </a:p>
         </p:txBody>
       </p:sp>
@@ -2487,7 +2489,7 @@
           <a:p>
             <a:pPr lvl="0"/>
             <a:r>
-              <a:rPr kumimoji="1" lang="ja-JP" altLang="en-US" smtClean="0"/>
+              <a:rPr kumimoji="1" lang="ja-JP" altLang="en-US"/>
               <a:t>マスター テキストの書式設定</a:t>
             </a:r>
           </a:p>
@@ -2510,7 +2512,7 @@
           <a:p>
             <a:fld id="{3BCA5A0C-6EE6-4C53-A7D0-151740237538}" type="datetimeFigureOut">
               <a:rPr kumimoji="1" lang="ja-JP" altLang="en-US" smtClean="0"/>
-              <a:t>2017/4/23</a:t>
+              <a:t>2017/4/30</a:t>
             </a:fld>
             <a:endParaRPr kumimoji="1" lang="ja-JP" altLang="en-US"/>
           </a:p>
@@ -2613,10 +2615,9 @@
           </a:lstStyle>
           <a:p>
             <a:r>
-              <a:rPr kumimoji="1" lang="ja-JP" altLang="en-US" smtClean="0"/>
+              <a:rPr kumimoji="1" lang="ja-JP" altLang="en-US"/>
               <a:t>マスター タイトルの書式設定</a:t>
             </a:r>
-            <a:endParaRPr kumimoji="1" lang="ja-JP" altLang="en-US"/>
           </a:p>
         </p:txBody>
       </p:sp>
@@ -2740,7 +2741,7 @@
           <a:p>
             <a:pPr lvl="0"/>
             <a:r>
-              <a:rPr kumimoji="1" lang="ja-JP" altLang="en-US" smtClean="0"/>
+              <a:rPr kumimoji="1" lang="ja-JP" altLang="en-US"/>
               <a:t>マスター テキストの書式設定</a:t>
             </a:r>
           </a:p>
@@ -2763,7 +2764,7 @@
           <a:p>
             <a:fld id="{3BCA5A0C-6EE6-4C53-A7D0-151740237538}" type="datetimeFigureOut">
               <a:rPr kumimoji="1" lang="ja-JP" altLang="en-US" smtClean="0"/>
-              <a:t>2017/4/23</a:t>
+              <a:t>2017/4/30</a:t>
             </a:fld>
             <a:endParaRPr kumimoji="1" lang="ja-JP" altLang="en-US"/>
           </a:p>
@@ -2872,10 +2873,9 @@
           <a:lstStyle/>
           <a:p>
             <a:r>
-              <a:rPr kumimoji="1" lang="ja-JP" altLang="en-US" smtClean="0"/>
+              <a:rPr kumimoji="1" lang="ja-JP" altLang="en-US"/>
               <a:t>マスター タイトルの書式設定</a:t>
             </a:r>
-            <a:endParaRPr kumimoji="1" lang="ja-JP" altLang="en-US"/>
           </a:p>
         </p:txBody>
       </p:sp>
@@ -2906,70 +2906,69 @@
           <a:p>
             <a:pPr lvl="0"/>
             <a:r>
-              <a:rPr kumimoji="1" lang="ja-JP" altLang="en-US" smtClean="0"/>
+              <a:rPr kumimoji="1" lang="ja-JP" altLang="en-US"/>
               <a:t>マスター テキストの書式設定</a:t>
             </a:r>
           </a:p>
           <a:p>
             <a:pPr lvl="1"/>
             <a:r>
-              <a:rPr kumimoji="1" lang="ja-JP" altLang="en-US" smtClean="0"/>
+              <a:rPr kumimoji="1" lang="ja-JP" altLang="en-US"/>
               <a:t>第 </a:t>
             </a:r>
             <a:r>
-              <a:rPr kumimoji="1" lang="en-US" altLang="ja-JP" smtClean="0"/>
+              <a:rPr kumimoji="1" lang="en-US" altLang="ja-JP"/>
               <a:t>2 </a:t>
             </a:r>
             <a:r>
-              <a:rPr kumimoji="1" lang="ja-JP" altLang="en-US" smtClean="0"/>
+              <a:rPr kumimoji="1" lang="ja-JP" altLang="en-US"/>
               <a:t>レベル</a:t>
             </a:r>
           </a:p>
           <a:p>
             <a:pPr lvl="2"/>
             <a:r>
-              <a:rPr kumimoji="1" lang="ja-JP" altLang="en-US" smtClean="0"/>
+              <a:rPr kumimoji="1" lang="ja-JP" altLang="en-US"/>
               <a:t>第 </a:t>
             </a:r>
             <a:r>
-              <a:rPr kumimoji="1" lang="en-US" altLang="ja-JP" smtClean="0"/>
+              <a:rPr kumimoji="1" lang="en-US" altLang="ja-JP"/>
               <a:t>3 </a:t>
             </a:r>
             <a:r>
-              <a:rPr kumimoji="1" lang="ja-JP" altLang="en-US" smtClean="0"/>
+              <a:rPr kumimoji="1" lang="ja-JP" altLang="en-US"/>
               <a:t>レベル</a:t>
             </a:r>
           </a:p>
           <a:p>
             <a:pPr lvl="3"/>
             <a:r>
-              <a:rPr kumimoji="1" lang="ja-JP" altLang="en-US" smtClean="0"/>
+              <a:rPr kumimoji="1" lang="ja-JP" altLang="en-US"/>
               <a:t>第 </a:t>
             </a:r>
             <a:r>
-              <a:rPr kumimoji="1" lang="en-US" altLang="ja-JP" smtClean="0"/>
+              <a:rPr kumimoji="1" lang="en-US" altLang="ja-JP"/>
               <a:t>4 </a:t>
             </a:r>
             <a:r>
-              <a:rPr kumimoji="1" lang="ja-JP" altLang="en-US" smtClean="0"/>
+              <a:rPr kumimoji="1" lang="ja-JP" altLang="en-US"/>
               <a:t>レベル</a:t>
             </a:r>
           </a:p>
           <a:p>
             <a:pPr lvl="4"/>
             <a:r>
-              <a:rPr kumimoji="1" lang="ja-JP" altLang="en-US" smtClean="0"/>
+              <a:rPr kumimoji="1" lang="ja-JP" altLang="en-US"/>
               <a:t>第 </a:t>
             </a:r>
             <a:r>
-              <a:rPr kumimoji="1" lang="en-US" altLang="ja-JP" smtClean="0"/>
+              <a:rPr kumimoji="1" lang="en-US" altLang="ja-JP"/>
               <a:t>5 </a:t>
             </a:r>
             <a:r>
-              <a:rPr kumimoji="1" lang="ja-JP" altLang="en-US" smtClean="0"/>
+              <a:rPr kumimoji="1" lang="ja-JP" altLang="en-US"/>
               <a:t>レベル</a:t>
             </a:r>
-            <a:endParaRPr kumimoji="1" lang="ja-JP" altLang="en-US"/>
           </a:p>
         </p:txBody>
       </p:sp>
@@ -3008,7 +3007,7 @@
           <a:p>
             <a:fld id="{3BCA5A0C-6EE6-4C53-A7D0-151740237538}" type="datetimeFigureOut">
               <a:rPr kumimoji="1" lang="ja-JP" altLang="en-US" smtClean="0"/>
-              <a:t>2017/4/23</a:t>
+              <a:t>2017/4/30</a:t>
             </a:fld>
             <a:endParaRPr kumimoji="1" lang="ja-JP" altLang="en-US"/>
           </a:p>
@@ -3393,7 +3392,7 @@
             </p:nvSpPr>
             <p:spPr>
               <a:xfrm>
-                <a:off x="233771" y="887070"/>
+                <a:off x="316935" y="882572"/>
                 <a:ext cx="190342" cy="184650"/>
               </a:xfrm>
               <a:prstGeom prst="rect">
@@ -3428,7 +3427,7 @@
                     </m:oMath>
                   </m:oMathPara>
                 </a14:m>
-                <a:endParaRPr kumimoji="1" lang="en-US" altLang="ja-JP" b="0" smtClean="0"/>
+                <a:endParaRPr kumimoji="1" lang="en-US" altLang="ja-JP" b="0"/>
               </a:p>
             </p:txBody>
           </p:sp>
@@ -3444,7 +3443,7 @@
             </p:nvSpPr>
             <p:spPr>
               <a:xfrm>
-                <a:off x="233771" y="887070"/>
+                <a:off x="316935" y="882572"/>
                 <a:ext cx="190342" cy="184650"/>
               </a:xfrm>
               <a:prstGeom prst="rect">
@@ -3477,8 +3476,8 @@
           </p:sp>
         </mc:Fallback>
       </mc:AlternateContent>
-      <mc:AlternateContent xmlns:mc="http://schemas.openxmlformats.org/markup-compatibility/2006" xmlns:a14="http://schemas.microsoft.com/office/drawing/2010/main">
-        <mc:Choice Requires="a14">
+      <mc:AlternateContent xmlns:mc="http://schemas.openxmlformats.org/markup-compatibility/2006">
+        <mc:Choice xmlns:a14="http://schemas.microsoft.com/office/drawing/2010/main" Requires="a14">
           <p:sp>
             <p:nvSpPr>
               <p:cNvPr id="8" name="テキスト ボックス 7"/>
@@ -3487,7 +3486,7 @@
             </p:nvSpPr>
             <p:spPr>
               <a:xfrm>
-                <a:off x="575827" y="1976772"/>
+                <a:off x="1484110" y="2098180"/>
                 <a:ext cx="914900" cy="323149"/>
               </a:xfrm>
               <a:prstGeom prst="rect">
@@ -3570,13 +3569,10 @@
                         </m:e>
                         <m:sup>
                           <m:r>
-                            <m:rPr>
-                              <m:sty m:val="p"/>
-                            </m:rPr>
-                            <a:rPr kumimoji="1" lang="en-US" altLang="ja-JP" b="0" i="0" smtClean="0">
+                            <a:rPr kumimoji="1" lang="en-US" altLang="ja-JP" b="0" i="1" smtClean="0">
                               <a:latin typeface="Cambria Math"/>
                             </a:rPr>
-                            <m:t>T</m:t>
+                            <m:t>𝑇</m:t>
                           </m:r>
                         </m:sup>
                       </m:sSup>
@@ -3592,7 +3588,7 @@
                     </m:oMath>
                   </m:oMathPara>
                 </a14:m>
-                <a:endParaRPr kumimoji="1" lang="en-US" altLang="ja-JP" b="0" i="0" smtClean="0">
+                <a:endParaRPr kumimoji="1" lang="en-US" altLang="ja-JP" b="0" i="0">
                   <a:latin typeface="Cambria Math"/>
                 </a:endParaRPr>
               </a:p>
@@ -3663,12 +3659,12 @@
                     </m:oMath>
                   </m:oMathPara>
                 </a14:m>
-                <a:endParaRPr kumimoji="1" lang="en-US" altLang="ja-JP" b="0" smtClean="0"/>
+                <a:endParaRPr kumimoji="1" lang="en-US" altLang="ja-JP" b="0"/>
               </a:p>
             </p:txBody>
           </p:sp>
         </mc:Choice>
-        <mc:Fallback xmlns="">
+        <mc:Fallback>
           <p:sp>
             <p:nvSpPr>
               <p:cNvPr id="8" name="テキスト ボックス 7"/>
@@ -3679,7 +3675,7 @@
             </p:nvSpPr>
             <p:spPr>
               <a:xfrm>
-                <a:off x="575827" y="1976772"/>
+                <a:off x="1484110" y="2098180"/>
                 <a:ext cx="914900" cy="323149"/>
               </a:xfrm>
               <a:prstGeom prst="rect">
@@ -3722,7 +3718,7 @@
             </p:nvSpPr>
             <p:spPr>
               <a:xfrm>
-                <a:off x="837094" y="1328399"/>
+                <a:off x="870438" y="1328399"/>
                 <a:ext cx="1321678" cy="202475"/>
               </a:xfrm>
               <a:prstGeom prst="rect">
@@ -3886,7 +3882,7 @@
                     </m:oMath>
                   </m:oMathPara>
                 </a14:m>
-                <a:endParaRPr kumimoji="1" lang="en-US" altLang="ja-JP" b="0" smtClean="0"/>
+                <a:endParaRPr kumimoji="1" lang="en-US" altLang="ja-JP" b="0"/>
               </a:p>
             </p:txBody>
           </p:sp>
@@ -3902,7 +3898,7 @@
             </p:nvSpPr>
             <p:spPr>
               <a:xfrm>
-                <a:off x="837094" y="1328399"/>
+                <a:off x="870438" y="1328399"/>
                 <a:ext cx="1321678" cy="202475"/>
               </a:xfrm>
               <a:prstGeom prst="rect">
@@ -3945,7 +3941,7 @@
             </p:nvSpPr>
             <p:spPr>
               <a:xfrm>
-                <a:off x="1722387" y="2677813"/>
+                <a:off x="1859077" y="2652153"/>
                 <a:ext cx="887777" cy="184650"/>
               </a:xfrm>
               <a:prstGeom prst="rect">
@@ -4082,7 +4078,7 @@
                     </m:oMath>
                   </m:oMathPara>
                 </a14:m>
-                <a:endParaRPr kumimoji="1" lang="en-US" altLang="ja-JP" b="0" smtClean="0"/>
+                <a:endParaRPr kumimoji="1" lang="en-US" altLang="ja-JP" b="0"/>
               </a:p>
             </p:txBody>
           </p:sp>
@@ -4098,16 +4094,16 @@
             </p:nvSpPr>
             <p:spPr>
               <a:xfrm>
-                <a:off x="1722387" y="2677813"/>
+                <a:off x="1859077" y="2652153"/>
                 <a:ext cx="887777" cy="184650"/>
               </a:xfrm>
               <a:prstGeom prst="rect">
                 <a:avLst/>
               </a:prstGeom>
-              <a:blipFill rotWithShape="1">
+              <a:blipFill>
                 <a:blip r:embed="rId5"/>
                 <a:stretch>
-                  <a:fillRect b="-9375"/>
+                  <a:fillRect b="-12903"/>
                 </a:stretch>
               </a:blipFill>
               <a:ln w="3175">
@@ -4141,7 +4137,7 @@
             </p:nvSpPr>
             <p:spPr>
               <a:xfrm>
-                <a:off x="818000" y="891504"/>
+                <a:off x="951545" y="882572"/>
                 <a:ext cx="182327" cy="184650"/>
               </a:xfrm>
               <a:prstGeom prst="rect">
@@ -4176,7 +4172,7 @@
                     </m:oMath>
                   </m:oMathPara>
                 </a14:m>
-                <a:endParaRPr kumimoji="1" lang="en-US" altLang="ja-JP" b="0" smtClean="0"/>
+                <a:endParaRPr kumimoji="1" lang="en-US" altLang="ja-JP" b="0"/>
               </a:p>
             </p:txBody>
           </p:sp>
@@ -4192,7 +4188,7 @@
             </p:nvSpPr>
             <p:spPr>
               <a:xfrm>
-                <a:off x="818000" y="891504"/>
+                <a:off x="951545" y="882572"/>
                 <a:ext cx="182327" cy="184650"/>
               </a:xfrm>
               <a:prstGeom prst="rect">
@@ -4235,7 +4231,7 @@
             </p:nvSpPr>
             <p:spPr>
               <a:xfrm>
-                <a:off x="1673931" y="891504"/>
+                <a:off x="1798969" y="882572"/>
                 <a:ext cx="198999" cy="184650"/>
               </a:xfrm>
               <a:prstGeom prst="rect">
@@ -4270,7 +4266,7 @@
                     </m:oMath>
                   </m:oMathPara>
                 </a14:m>
-                <a:endParaRPr kumimoji="1" lang="en-US" altLang="ja-JP" b="0" smtClean="0"/>
+                <a:endParaRPr kumimoji="1" lang="en-US" altLang="ja-JP" b="0"/>
               </a:p>
             </p:txBody>
           </p:sp>
@@ -4286,7 +4282,7 @@
             </p:nvSpPr>
             <p:spPr>
               <a:xfrm>
-                <a:off x="1673931" y="891504"/>
+                <a:off x="1798969" y="882572"/>
                 <a:ext cx="198999" cy="184650"/>
               </a:xfrm>
               <a:prstGeom prst="rect">
@@ -4295,7 +4291,7 @@
               <a:blipFill rotWithShape="1">
                 <a:blip r:embed="rId7"/>
                 <a:stretch>
-                  <a:fillRect b="-6250"/>
+                  <a:fillRect b="-9677"/>
                 </a:stretch>
               </a:blipFill>
               <a:ln w="3175">
@@ -4329,7 +4325,7 @@
             </p:nvSpPr>
             <p:spPr>
               <a:xfrm>
-                <a:off x="2466019" y="891504"/>
+                <a:off x="2518691" y="882572"/>
                 <a:ext cx="191945" cy="184650"/>
               </a:xfrm>
               <a:prstGeom prst="rect">
@@ -4364,7 +4360,7 @@
                     </m:oMath>
                   </m:oMathPara>
                 </a14:m>
-                <a:endParaRPr kumimoji="1" lang="en-US" altLang="ja-JP" b="0" smtClean="0"/>
+                <a:endParaRPr kumimoji="1" lang="en-US" altLang="ja-JP" b="0"/>
               </a:p>
             </p:txBody>
           </p:sp>
@@ -4380,7 +4376,7 @@
             </p:nvSpPr>
             <p:spPr>
               <a:xfrm>
-                <a:off x="2466019" y="891504"/>
+                <a:off x="2518691" y="882572"/>
                 <a:ext cx="191945" cy="184650"/>
               </a:xfrm>
               <a:prstGeom prst="rect">
@@ -4389,101 +4385,7 @@
               <a:blipFill rotWithShape="1">
                 <a:blip r:embed="rId8"/>
                 <a:stretch>
-                  <a:fillRect b="-6250"/>
-                </a:stretch>
-              </a:blipFill>
-              <a:ln w="3175">
-                <a:solidFill>
-                  <a:schemeClr val="tx1"/>
-                </a:solidFill>
-              </a:ln>
-            </p:spPr>
-            <p:txBody>
-              <a:bodyPr/>
-              <a:lstStyle/>
-              <a:p>
-                <a:r>
-                  <a:rPr lang="ja-JP" altLang="en-US">
-                    <a:noFill/>
-                  </a:rPr>
-                  <a:t> </a:t>
-                </a:r>
-              </a:p>
-            </p:txBody>
-          </p:sp>
-        </mc:Fallback>
-      </mc:AlternateContent>
-      <mc:AlternateContent xmlns:mc="http://schemas.openxmlformats.org/markup-compatibility/2006" xmlns:a14="http://schemas.microsoft.com/office/drawing/2010/main">
-        <mc:Choice Requires="a14">
-          <p:sp>
-            <p:nvSpPr>
-              <p:cNvPr id="14" name="テキスト ボックス 13"/>
-              <p:cNvSpPr txBox="1"/>
-              <p:nvPr/>
-            </p:nvSpPr>
-            <p:spPr>
-              <a:xfrm>
-                <a:off x="2898066" y="891504"/>
-                <a:ext cx="165656" cy="184650"/>
-              </a:xfrm>
-              <a:prstGeom prst="rect">
-                <a:avLst/>
-              </a:prstGeom>
-              <a:noFill/>
-              <a:ln w="3175">
-                <a:solidFill>
-                  <a:schemeClr val="tx1"/>
-                </a:solidFill>
-              </a:ln>
-            </p:spPr>
-            <p:txBody>
-              <a:bodyPr wrap="none" lIns="45705" tIns="22852" rIns="45705" bIns="22852" rtlCol="0">
-                <a:spAutoFit/>
-              </a:bodyPr>
-              <a:lstStyle/>
-              <a:p>
-                <a:pPr/>
-                <a14:m>
-                  <m:oMathPara xmlns:m="http://schemas.openxmlformats.org/officeDocument/2006/math">
-                    <m:oMathParaPr>
-                      <m:jc m:val="centerGroup"/>
-                    </m:oMathParaPr>
-                    <m:oMath xmlns:m="http://schemas.openxmlformats.org/officeDocument/2006/math">
-                      <m:r>
-                        <a:rPr kumimoji="1" lang="en-US" altLang="ja-JP" b="0" i="1" smtClean="0">
-                          <a:latin typeface="Cambria Math"/>
-                        </a:rPr>
-                        <m:t>𝑡</m:t>
-                      </m:r>
-                    </m:oMath>
-                  </m:oMathPara>
-                </a14:m>
-                <a:endParaRPr kumimoji="1" lang="en-US" altLang="ja-JP" b="0" smtClean="0"/>
-              </a:p>
-            </p:txBody>
-          </p:sp>
-        </mc:Choice>
-        <mc:Fallback xmlns="">
-          <p:sp>
-            <p:nvSpPr>
-              <p:cNvPr id="14" name="テキスト ボックス 13"/>
-              <p:cNvSpPr txBox="1">
-                <a:spLocks noRot="1" noChangeAspect="1" noMove="1" noResize="1" noEditPoints="1" noAdjustHandles="1" noChangeArrowheads="1" noChangeShapeType="1" noTextEdit="1"/>
-              </p:cNvSpPr>
-              <p:nvPr/>
-            </p:nvSpPr>
-            <p:spPr>
-              <a:xfrm>
-                <a:off x="2898066" y="891504"/>
-                <a:ext cx="165656" cy="184650"/>
-              </a:xfrm>
-              <a:prstGeom prst="rect">
-                <a:avLst/>
-              </a:prstGeom>
-              <a:blipFill rotWithShape="1">
-                <a:blip r:embed="rId9"/>
-                <a:stretch>
-                  <a:fillRect/>
+                  <a:fillRect b="-9677"/>
                 </a:stretch>
               </a:blipFill>
               <a:ln w="3175">
@@ -4509,53 +4411,16 @@
       </mc:AlternateContent>
       <p:cxnSp>
         <p:nvCxnSpPr>
-          <p:cNvPr id="16" name="カギ線コネクタ 15"/>
+          <p:cNvPr id="20" name="直線コネクタ 19"/>
           <p:cNvCxnSpPr>
-            <a:stCxn id="11" idx="2"/>
-            <a:endCxn id="12" idx="2"/>
+            <a:cxnSpLocks/>
+            <a:endCxn id="9" idx="0"/>
           </p:cNvCxnSpPr>
           <p:nvPr/>
         </p:nvCxnSpPr>
         <p:spPr>
-          <a:xfrm rot="16200000" flipH="1">
-            <a:off x="1341297" y="644020"/>
-            <a:ext cx="12700" cy="864267"/>
-          </a:xfrm>
-          <a:prstGeom prst="bentConnector3">
-            <a:avLst>
-              <a:gd name="adj1" fmla="val 907945"/>
-            </a:avLst>
-          </a:prstGeom>
-          <a:ln w="3175">
-            <a:solidFill>
-              <a:schemeClr val="tx1"/>
-            </a:solidFill>
-          </a:ln>
-        </p:spPr>
-        <p:style>
-          <a:lnRef idx="1">
-            <a:schemeClr val="accent1"/>
-          </a:lnRef>
-          <a:fillRef idx="0">
-            <a:schemeClr val="accent1"/>
-          </a:fillRef>
-          <a:effectRef idx="0">
-            <a:schemeClr val="accent1"/>
-          </a:effectRef>
-          <a:fontRef idx="minor">
-            <a:schemeClr val="tx1"/>
-          </a:fontRef>
-        </p:style>
-      </p:cxnSp>
-      <p:cxnSp>
-        <p:nvCxnSpPr>
-          <p:cNvPr id="20" name="直線コネクタ 19"/>
-          <p:cNvCxnSpPr/>
-          <p:nvPr/>
-        </p:nvCxnSpPr>
-        <p:spPr>
           <a:xfrm>
-            <a:off x="1346101" y="1184317"/>
+            <a:off x="1531277" y="1184317"/>
             <a:ext cx="0" cy="144082"/>
           </a:xfrm>
           <a:prstGeom prst="line">
@@ -4565,7 +4430,7 @@
             <a:solidFill>
               <a:schemeClr val="tx1"/>
             </a:solidFill>
-            <a:tailEnd type="none" w="sm" len="sm"/>
+            <a:tailEnd type="triangle" w="sm" len="sm"/>
           </a:ln>
         </p:spPr>
         <p:style>
@@ -4587,14 +4452,16 @@
         <p:nvCxnSpPr>
           <p:cNvPr id="31" name="直線コネクタ 30"/>
           <p:cNvCxnSpPr>
+            <a:cxnSpLocks/>
+            <a:stCxn id="9" idx="2"/>
             <a:endCxn id="33" idx="0"/>
           </p:cNvCxnSpPr>
           <p:nvPr/>
         </p:nvCxnSpPr>
         <p:spPr>
           <a:xfrm>
-            <a:off x="1490294" y="1530874"/>
-            <a:ext cx="0" cy="186635"/>
+            <a:off x="1531277" y="1530874"/>
+            <a:ext cx="5224" cy="157711"/>
           </a:xfrm>
           <a:prstGeom prst="line">
             <a:avLst/>
@@ -4603,7 +4470,7 @@
             <a:solidFill>
               <a:schemeClr val="tx1"/>
             </a:solidFill>
-            <a:tailEnd type="none" w="sm" len="sm"/>
+            <a:tailEnd type="triangle" w="sm" len="sm"/>
           </a:ln>
         </p:spPr>
         <p:style>
@@ -4621,8 +4488,8 @@
           </a:fontRef>
         </p:style>
       </p:cxnSp>
-      <mc:AlternateContent xmlns:mc="http://schemas.openxmlformats.org/markup-compatibility/2006" xmlns:a14="http://schemas.microsoft.com/office/drawing/2010/main">
-        <mc:Choice Requires="a14">
+      <mc:AlternateContent xmlns:mc="http://schemas.openxmlformats.org/markup-compatibility/2006">
+        <mc:Choice xmlns:a14="http://schemas.microsoft.com/office/drawing/2010/main" Requires="a14">
           <p:sp>
             <p:nvSpPr>
               <p:cNvPr id="33" name="テキスト ボックス 32"/>
@@ -4631,8 +4498,8 @@
             </p:nvSpPr>
             <p:spPr>
               <a:xfrm>
-                <a:off x="1273904" y="1717509"/>
-                <a:ext cx="432780" cy="187151"/>
+                <a:off x="1205880" y="1688585"/>
+                <a:ext cx="661241" cy="184650"/>
               </a:xfrm>
               <a:prstGeom prst="rect">
                 <a:avLst/>
@@ -4670,6 +4537,18 @@
                             <a:rPr kumimoji="1" lang="en-US" altLang="ja-JP" b="0" i="1" smtClean="0">
                               <a:latin typeface="Cambria Math"/>
                             </a:rPr>
+                            <m:t>𝐵</m:t>
+                          </m:r>
+                          <m:r>
+                            <a:rPr kumimoji="1" lang="en-US" altLang="ja-JP" b="0" i="1" smtClean="0">
+                              <a:latin typeface="Cambria Math"/>
+                            </a:rPr>
+                            <m:t>=</m:t>
+                          </m:r>
+                          <m:r>
+                            <a:rPr kumimoji="1" lang="en-US" altLang="ja-JP" b="0" i="1" smtClean="0">
+                              <a:latin typeface="Cambria Math"/>
+                            </a:rPr>
                             <m:t>𝛽</m:t>
                           </m:r>
                           <m:r>
@@ -4703,14 +4582,14 @@
                     </m:oMath>
                   </m:oMathPara>
                 </a14:m>
-                <a:endParaRPr kumimoji="1" lang="en-US" altLang="ja-JP" b="0" i="0" smtClean="0">
+                <a:endParaRPr kumimoji="1" lang="en-US" altLang="ja-JP" b="0" i="0">
                   <a:latin typeface="Cambria Math"/>
                 </a:endParaRPr>
               </a:p>
             </p:txBody>
           </p:sp>
         </mc:Choice>
-        <mc:Fallback xmlns="">
+        <mc:Fallback>
           <p:sp>
             <p:nvSpPr>
               <p:cNvPr id="33" name="テキスト ボックス 32"/>
@@ -4721,14 +4600,14 @@
             </p:nvSpPr>
             <p:spPr>
               <a:xfrm>
-                <a:off x="1273904" y="1717509"/>
-                <a:ext cx="432780" cy="187151"/>
+                <a:off x="1205880" y="1688585"/>
+                <a:ext cx="661241" cy="184650"/>
               </a:xfrm>
               <a:prstGeom prst="rect">
                 <a:avLst/>
               </a:prstGeom>
               <a:blipFill rotWithShape="1">
-                <a:blip r:embed="rId10"/>
+                <a:blip r:embed="rId9"/>
                 <a:stretch>
                   <a:fillRect b="-9677"/>
                 </a:stretch>
@@ -4754,8 +4633,8 @@
           </p:sp>
         </mc:Fallback>
       </mc:AlternateContent>
-      <mc:AlternateContent xmlns:mc="http://schemas.openxmlformats.org/markup-compatibility/2006" xmlns:a14="http://schemas.microsoft.com/office/drawing/2010/main">
-        <mc:Choice Requires="a14">
+      <mc:AlternateContent xmlns:mc="http://schemas.openxmlformats.org/markup-compatibility/2006">
+        <mc:Choice xmlns:a14="http://schemas.microsoft.com/office/drawing/2010/main" Requires="a14">
           <p:sp>
             <p:nvSpPr>
               <p:cNvPr id="34" name="テキスト ボックス 33"/>
@@ -4764,8 +4643,8 @@
             </p:nvSpPr>
             <p:spPr>
               <a:xfrm>
-                <a:off x="1777004" y="2095666"/>
-                <a:ext cx="609752" cy="184650"/>
+                <a:off x="454758" y="2167429"/>
+                <a:ext cx="777940" cy="184650"/>
               </a:xfrm>
               <a:prstGeom prst="rect">
                 <a:avLst/>
@@ -4785,57 +4664,56 @@
               <a:p>
                 <a:pPr/>
                 <a14:m>
-                  <m:oMathPara xmlns:m="http://schemas.openxmlformats.org/officeDocument/2006/math">
-                    <m:oMathParaPr>
-                      <m:jc m:val="centerGroup"/>
-                    </m:oMathParaPr>
-                    <m:oMath xmlns:m="http://schemas.openxmlformats.org/officeDocument/2006/math">
-                      <m:sSub>
-                        <m:sSubPr>
-                          <m:ctrlPr>
-                            <a:rPr kumimoji="1" lang="en-US" altLang="ja-JP" b="0" i="1" smtClean="0">
-                              <a:latin typeface="Cambria Math"/>
-                            </a:rPr>
-                          </m:ctrlPr>
-                        </m:sSubPr>
-                        <m:e>
-                          <m:r>
-                            <a:rPr kumimoji="1" lang="en-US" altLang="ja-JP" b="0" i="1" smtClean="0">
-                              <a:latin typeface="Cambria Math"/>
-                            </a:rPr>
-                            <m:t>𝜆</m:t>
-                          </m:r>
-                        </m:e>
-                        <m:sub>
-                          <m:r>
-                            <a:rPr kumimoji="1" lang="en-US" altLang="ja-JP" b="0" i="1" smtClean="0">
-                              <a:latin typeface="Cambria Math"/>
-                            </a:rPr>
-                            <m:t>𝑖</m:t>
-                          </m:r>
-                        </m:sub>
-                      </m:sSub>
-                      <m:r>
-                        <a:rPr kumimoji="1" lang="en-US" altLang="ja-JP" b="0" i="1" smtClean="0">
-                          <a:latin typeface="Cambria Math"/>
-                        </a:rPr>
-                        <m:t>:</m:t>
-                      </m:r>
-                      <m:r>
-                        <a:rPr lang="ja-JP" altLang="en-US" i="1">
-                          <a:latin typeface="Cambria Math"/>
-                        </a:rPr>
-                        <m:t>固有値</m:t>
-                      </m:r>
-                    </m:oMath>
-                  </m:oMathPara>
+                  <m:oMath xmlns:m="http://schemas.openxmlformats.org/officeDocument/2006/math">
+                    <m:sSub>
+                      <m:sSubPr>
+                        <m:ctrlPr>
+                          <a:rPr kumimoji="1" lang="en-US" altLang="ja-JP" b="0" i="1" smtClean="0">
+                            <a:latin typeface="Cambria Math"/>
+                          </a:rPr>
+                        </m:ctrlPr>
+                      </m:sSubPr>
+                      <m:e>
+                        <m:r>
+                          <a:rPr kumimoji="1" lang="en-US" altLang="ja-JP" b="0" i="1" smtClean="0">
+                            <a:latin typeface="Cambria Math"/>
+                          </a:rPr>
+                          <m:t>𝜆</m:t>
+                        </m:r>
+                      </m:e>
+                      <m:sub>
+                        <m:r>
+                          <a:rPr kumimoji="1" lang="en-US" altLang="ja-JP" b="0" i="1" smtClean="0">
+                            <a:latin typeface="Cambria Math"/>
+                          </a:rPr>
+                          <m:t>𝑖</m:t>
+                        </m:r>
+                      </m:sub>
+                    </m:sSub>
+                    <m:r>
+                      <a:rPr kumimoji="1" lang="en-US" altLang="ja-JP" b="0" i="1" smtClean="0">
+                        <a:latin typeface="Cambria Math"/>
+                      </a:rPr>
+                      <m:t>:</m:t>
+                    </m:r>
+                    <m:r>
+                      <a:rPr kumimoji="1" lang="en-US" altLang="ja-JP" b="0" i="1" smtClean="0">
+                        <a:latin typeface="Cambria Math"/>
+                      </a:rPr>
+                      <m:t>𝐵</m:t>
+                    </m:r>
+                  </m:oMath>
                 </a14:m>
-                <a:endParaRPr kumimoji="1" lang="en-US" altLang="ja-JP" b="0" smtClean="0"/>
+                <a:r>
+                  <a:rPr lang="ja-JP" altLang="en-US"/>
+                  <a:t>の固有値</a:t>
+                </a:r>
+                <a:endParaRPr kumimoji="1" lang="en-US" altLang="ja-JP" b="0"/>
               </a:p>
             </p:txBody>
           </p:sp>
         </mc:Choice>
-        <mc:Fallback xmlns="">
+        <mc:Fallback>
           <p:sp>
             <p:nvSpPr>
               <p:cNvPr id="34" name="テキスト ボックス 33"/>
@@ -4846,16 +4724,16 @@
             </p:nvSpPr>
             <p:spPr>
               <a:xfrm>
-                <a:off x="1777004" y="2095666"/>
-                <a:ext cx="609752" cy="184650"/>
+                <a:off x="454758" y="2167429"/>
+                <a:ext cx="777940" cy="184650"/>
               </a:xfrm>
               <a:prstGeom prst="rect">
                 <a:avLst/>
               </a:prstGeom>
               <a:blipFill rotWithShape="1">
-                <a:blip r:embed="rId11"/>
+                <a:blip r:embed="rId10"/>
                 <a:stretch>
-                  <a:fillRect b="-3226"/>
+                  <a:fillRect t="-9677" r="-3125" b="-19355"/>
                 </a:stretch>
               </a:blipFill>
               <a:ln w="3175">
@@ -4879,83 +4757,6 @@
           </p:sp>
         </mc:Fallback>
       </mc:AlternateContent>
-      <p:cxnSp>
-        <p:nvCxnSpPr>
-          <p:cNvPr id="35" name="直線コネクタ 34"/>
-          <p:cNvCxnSpPr>
-            <a:stCxn id="33" idx="1"/>
-          </p:cNvCxnSpPr>
-          <p:nvPr/>
-        </p:nvCxnSpPr>
-        <p:spPr>
-          <a:xfrm rot="10800000" flipV="1">
-            <a:off x="1134784" y="1811084"/>
-            <a:ext cx="139120" cy="157467"/>
-          </a:xfrm>
-          <a:prstGeom prst="bentConnector2">
-            <a:avLst/>
-          </a:prstGeom>
-          <a:ln w="3175">
-            <a:solidFill>
-              <a:schemeClr val="tx1"/>
-            </a:solidFill>
-            <a:tailEnd type="none" w="sm" len="sm"/>
-          </a:ln>
-        </p:spPr>
-        <p:style>
-          <a:lnRef idx="1">
-            <a:schemeClr val="accent1"/>
-          </a:lnRef>
-          <a:fillRef idx="0">
-            <a:schemeClr val="accent1"/>
-          </a:fillRef>
-          <a:effectRef idx="0">
-            <a:schemeClr val="accent1"/>
-          </a:effectRef>
-          <a:fontRef idx="minor">
-            <a:schemeClr val="tx1"/>
-          </a:fontRef>
-        </p:style>
-      </p:cxnSp>
-      <p:cxnSp>
-        <p:nvCxnSpPr>
-          <p:cNvPr id="43" name="直線コネクタ 34"/>
-          <p:cNvCxnSpPr>
-            <a:stCxn id="33" idx="3"/>
-            <a:endCxn id="34" idx="0"/>
-          </p:cNvCxnSpPr>
-          <p:nvPr/>
-        </p:nvCxnSpPr>
-        <p:spPr>
-          <a:xfrm>
-            <a:off x="1706684" y="1811085"/>
-            <a:ext cx="375196" cy="284581"/>
-          </a:xfrm>
-          <a:prstGeom prst="bentConnector2">
-            <a:avLst/>
-          </a:prstGeom>
-          <a:ln w="3175">
-            <a:solidFill>
-              <a:schemeClr val="tx1"/>
-            </a:solidFill>
-            <a:tailEnd type="none" w="sm" len="sm"/>
-          </a:ln>
-        </p:spPr>
-        <p:style>
-          <a:lnRef idx="1">
-            <a:schemeClr val="accent1"/>
-          </a:lnRef>
-          <a:fillRef idx="0">
-            <a:schemeClr val="accent1"/>
-          </a:fillRef>
-          <a:effectRef idx="0">
-            <a:schemeClr val="accent1"/>
-          </a:effectRef>
-          <a:fontRef idx="minor">
-            <a:schemeClr val="tx1"/>
-          </a:fontRef>
-        </p:style>
-      </p:cxnSp>
       <mc:AlternateContent xmlns:mc="http://schemas.openxmlformats.org/markup-compatibility/2006" xmlns:a14="http://schemas.microsoft.com/office/drawing/2010/main">
         <mc:Choice Requires="a14">
           <p:sp>
@@ -5082,7 +4883,7 @@
                     </m:oMath>
                   </m:oMathPara>
                 </a14:m>
-                <a:endParaRPr kumimoji="1" lang="en-US" altLang="ja-JP" b="0" i="1" smtClean="0">
+                <a:endParaRPr kumimoji="1" lang="en-US" altLang="ja-JP" b="0" i="1">
                   <a:latin typeface="Cambria Math"/>
                 </a:endParaRPr>
               </a:p>
@@ -5133,232 +4934,6 @@
           </p:sp>
         </mc:Fallback>
       </mc:AlternateContent>
-      <p:cxnSp>
-        <p:nvCxnSpPr>
-          <p:cNvPr id="56" name="カギ線コネクタ 55"/>
-          <p:cNvCxnSpPr>
-            <a:stCxn id="7" idx="2"/>
-            <a:endCxn id="34" idx="2"/>
-          </p:cNvCxnSpPr>
-          <p:nvPr/>
-        </p:nvCxnSpPr>
-        <p:spPr>
-          <a:xfrm rot="16200000" flipH="1">
-            <a:off x="601113" y="799549"/>
-            <a:ext cx="1208596" cy="1752938"/>
-          </a:xfrm>
-          <a:prstGeom prst="bentConnector3">
-            <a:avLst>
-              <a:gd name="adj1" fmla="val 109541"/>
-            </a:avLst>
-          </a:prstGeom>
-          <a:ln w="3175">
-            <a:solidFill>
-              <a:schemeClr val="tx1"/>
-            </a:solidFill>
-          </a:ln>
-        </p:spPr>
-        <p:style>
-          <a:lnRef idx="1">
-            <a:schemeClr val="accent1"/>
-          </a:lnRef>
-          <a:fillRef idx="0">
-            <a:schemeClr val="accent1"/>
-          </a:fillRef>
-          <a:effectRef idx="0">
-            <a:schemeClr val="accent1"/>
-          </a:effectRef>
-          <a:fontRef idx="minor">
-            <a:schemeClr val="tx1"/>
-          </a:fontRef>
-        </p:style>
-      </p:cxnSp>
-      <p:cxnSp>
-        <p:nvCxnSpPr>
-          <p:cNvPr id="57" name="直線コネクタ 56"/>
-          <p:cNvCxnSpPr>
-            <a:endCxn id="46" idx="0"/>
-          </p:cNvCxnSpPr>
-          <p:nvPr/>
-        </p:nvCxnSpPr>
-        <p:spPr>
-          <a:xfrm>
-            <a:off x="759634" y="2405796"/>
-            <a:ext cx="1" cy="147306"/>
-          </a:xfrm>
-          <a:prstGeom prst="line">
-            <a:avLst/>
-          </a:prstGeom>
-          <a:ln w="3175">
-            <a:solidFill>
-              <a:schemeClr val="tx1"/>
-            </a:solidFill>
-            <a:tailEnd type="none" w="sm" len="sm"/>
-          </a:ln>
-        </p:spPr>
-        <p:style>
-          <a:lnRef idx="1">
-            <a:schemeClr val="accent1"/>
-          </a:lnRef>
-          <a:fillRef idx="0">
-            <a:schemeClr val="accent1"/>
-          </a:fillRef>
-          <a:effectRef idx="0">
-            <a:schemeClr val="accent1"/>
-          </a:effectRef>
-          <a:fontRef idx="minor">
-            <a:schemeClr val="tx1"/>
-          </a:fontRef>
-        </p:style>
-      </p:cxnSp>
-      <p:cxnSp>
-        <p:nvCxnSpPr>
-          <p:cNvPr id="65" name="カギ線コネクタ 64"/>
-          <p:cNvCxnSpPr>
-            <a:stCxn id="13" idx="2"/>
-            <a:endCxn id="14" idx="2"/>
-          </p:cNvCxnSpPr>
-          <p:nvPr/>
-        </p:nvCxnSpPr>
-        <p:spPr>
-          <a:xfrm rot="16200000" flipH="1">
-            <a:off x="2771443" y="866703"/>
-            <a:ext cx="12700" cy="418902"/>
-          </a:xfrm>
-          <a:prstGeom prst="bentConnector3">
-            <a:avLst>
-              <a:gd name="adj1" fmla="val 5741772"/>
-            </a:avLst>
-          </a:prstGeom>
-          <a:ln w="3175">
-            <a:solidFill>
-              <a:schemeClr val="tx1"/>
-            </a:solidFill>
-          </a:ln>
-        </p:spPr>
-        <p:style>
-          <a:lnRef idx="1">
-            <a:schemeClr val="accent1"/>
-          </a:lnRef>
-          <a:fillRef idx="0">
-            <a:schemeClr val="accent1"/>
-          </a:fillRef>
-          <a:effectRef idx="0">
-            <a:schemeClr val="accent1"/>
-          </a:effectRef>
-          <a:fontRef idx="minor">
-            <a:schemeClr val="tx1"/>
-          </a:fontRef>
-        </p:style>
-      </p:cxnSp>
-      <p:cxnSp>
-        <p:nvCxnSpPr>
-          <p:cNvPr id="76" name="カギ線コネクタ 75"/>
-          <p:cNvCxnSpPr/>
-          <p:nvPr/>
-        </p:nvCxnSpPr>
-        <p:spPr>
-          <a:xfrm flipV="1">
-            <a:off x="1346101" y="1811084"/>
-            <a:ext cx="1431692" cy="700024"/>
-          </a:xfrm>
-          <a:prstGeom prst="bentConnector3">
-            <a:avLst>
-              <a:gd name="adj1" fmla="val 99923"/>
-            </a:avLst>
-          </a:prstGeom>
-          <a:ln w="3175">
-            <a:solidFill>
-              <a:schemeClr val="tx1"/>
-            </a:solidFill>
-          </a:ln>
-        </p:spPr>
-        <p:style>
-          <a:lnRef idx="1">
-            <a:schemeClr val="accent1"/>
-          </a:lnRef>
-          <a:fillRef idx="0">
-            <a:schemeClr val="accent1"/>
-          </a:fillRef>
-          <a:effectRef idx="0">
-            <a:schemeClr val="accent1"/>
-          </a:effectRef>
-          <a:fontRef idx="minor">
-            <a:schemeClr val="tx1"/>
-          </a:fontRef>
-        </p:style>
-      </p:cxnSp>
-      <p:cxnSp>
-        <p:nvCxnSpPr>
-          <p:cNvPr id="78" name="直線コネクタ 77"/>
-          <p:cNvCxnSpPr/>
-          <p:nvPr/>
-        </p:nvCxnSpPr>
-        <p:spPr>
-          <a:xfrm>
-            <a:off x="2159684" y="2511509"/>
-            <a:ext cx="0" cy="166305"/>
-          </a:xfrm>
-          <a:prstGeom prst="line">
-            <a:avLst/>
-          </a:prstGeom>
-          <a:ln w="3175">
-            <a:solidFill>
-              <a:schemeClr val="tx1"/>
-            </a:solidFill>
-            <a:tailEnd type="none" w="sm" len="sm"/>
-          </a:ln>
-        </p:spPr>
-        <p:style>
-          <a:lnRef idx="1">
-            <a:schemeClr val="accent1"/>
-          </a:lnRef>
-          <a:fillRef idx="0">
-            <a:schemeClr val="accent1"/>
-          </a:fillRef>
-          <a:effectRef idx="0">
-            <a:schemeClr val="accent1"/>
-          </a:effectRef>
-          <a:fontRef idx="minor">
-            <a:schemeClr val="tx1"/>
-          </a:fontRef>
-        </p:style>
-      </p:cxnSp>
-      <p:cxnSp>
-        <p:nvCxnSpPr>
-          <p:cNvPr id="102" name="直線コネクタ 101"/>
-          <p:cNvCxnSpPr/>
-          <p:nvPr/>
-        </p:nvCxnSpPr>
-        <p:spPr>
-          <a:xfrm>
-            <a:off x="1564244" y="1904731"/>
-            <a:ext cx="0" cy="606778"/>
-          </a:xfrm>
-          <a:prstGeom prst="line">
-            <a:avLst/>
-          </a:prstGeom>
-          <a:ln w="3175">
-            <a:solidFill>
-              <a:schemeClr val="tx1"/>
-            </a:solidFill>
-          </a:ln>
-        </p:spPr>
-        <p:style>
-          <a:lnRef idx="1">
-            <a:schemeClr val="accent1"/>
-          </a:lnRef>
-          <a:fillRef idx="0">
-            <a:schemeClr val="accent1"/>
-          </a:fillRef>
-          <a:effectRef idx="0">
-            <a:schemeClr val="accent1"/>
-          </a:effectRef>
-          <a:fontRef idx="minor">
-            <a:schemeClr val="tx1"/>
-          </a:fontRef>
-        </p:style>
-      </p:cxnSp>
       <mc:AlternateContent xmlns:mc="http://schemas.openxmlformats.org/markup-compatibility/2006" xmlns:a14="http://schemas.microsoft.com/office/drawing/2010/main">
         <mc:Choice Requires="a14">
           <p:sp>
@@ -5405,7 +4980,7 @@
                         <a:rPr kumimoji="1" lang="en-US" altLang="ja-JP" b="0" i="1" smtClean="0">
                           <a:latin typeface="Cambria Math"/>
                         </a:rPr>
-                        <m:t>=</m:t>
+                        <m:t>←</m:t>
                       </m:r>
                       <m:f>
                         <m:fPr>
@@ -5487,7 +5062,7 @@
                     </m:oMath>
                   </m:oMathPara>
                 </a14:m>
-                <a:endParaRPr kumimoji="1" lang="en-US" altLang="ja-JP" b="0" i="1" smtClean="0">
+                <a:endParaRPr kumimoji="1" lang="en-US" altLang="ja-JP" b="0" i="1">
                   <a:latin typeface="Cambria Math"/>
                 </a:endParaRPr>
               </a:p>
@@ -5538,123 +5113,6 @@
           </p:sp>
         </mc:Fallback>
       </mc:AlternateContent>
-      <p:cxnSp>
-        <p:nvCxnSpPr>
-          <p:cNvPr id="126" name="直線コネクタ 125"/>
-          <p:cNvCxnSpPr>
-            <a:stCxn id="46" idx="2"/>
-            <a:endCxn id="105" idx="0"/>
-          </p:cNvCxnSpPr>
-          <p:nvPr/>
-        </p:nvCxnSpPr>
-        <p:spPr>
-          <a:xfrm>
-            <a:off x="759635" y="2885677"/>
-            <a:ext cx="0" cy="169127"/>
-          </a:xfrm>
-          <a:prstGeom prst="line">
-            <a:avLst/>
-          </a:prstGeom>
-          <a:ln w="3175">
-            <a:solidFill>
-              <a:schemeClr val="tx1"/>
-            </a:solidFill>
-            <a:tailEnd type="none" w="sm" len="sm"/>
-          </a:ln>
-        </p:spPr>
-        <p:style>
-          <a:lnRef idx="1">
-            <a:schemeClr val="accent1"/>
-          </a:lnRef>
-          <a:fillRef idx="0">
-            <a:schemeClr val="accent1"/>
-          </a:fillRef>
-          <a:effectRef idx="0">
-            <a:schemeClr val="accent1"/>
-          </a:effectRef>
-          <a:fontRef idx="minor">
-            <a:schemeClr val="tx1"/>
-          </a:fontRef>
-        </p:style>
-      </p:cxnSp>
-      <p:cxnSp>
-        <p:nvCxnSpPr>
-          <p:cNvPr id="128" name="カギ線コネクタ 127"/>
-          <p:cNvCxnSpPr>
-            <a:stCxn id="105" idx="1"/>
-          </p:cNvCxnSpPr>
-          <p:nvPr/>
-        </p:nvCxnSpPr>
-        <p:spPr>
-          <a:xfrm rot="10800000">
-            <a:off x="53759" y="747531"/>
-            <a:ext cx="330727" cy="2465610"/>
-          </a:xfrm>
-          <a:prstGeom prst="bentConnector2">
-            <a:avLst/>
-          </a:prstGeom>
-          <a:ln w="3175">
-            <a:solidFill>
-              <a:schemeClr val="tx1"/>
-            </a:solidFill>
-            <a:prstDash val="sysDash"/>
-            <a:tailEnd type="none"/>
-          </a:ln>
-        </p:spPr>
-        <p:style>
-          <a:lnRef idx="1">
-            <a:schemeClr val="accent1"/>
-          </a:lnRef>
-          <a:fillRef idx="0">
-            <a:schemeClr val="accent1"/>
-          </a:fillRef>
-          <a:effectRef idx="0">
-            <a:schemeClr val="accent1"/>
-          </a:effectRef>
-          <a:fontRef idx="minor">
-            <a:schemeClr val="tx1"/>
-          </a:fontRef>
-        </p:style>
-      </p:cxnSp>
-      <p:cxnSp>
-        <p:nvCxnSpPr>
-          <p:cNvPr id="130" name="カギ線コネクタ 129"/>
-          <p:cNvCxnSpPr>
-            <a:endCxn id="7" idx="0"/>
-          </p:cNvCxnSpPr>
-          <p:nvPr/>
-        </p:nvCxnSpPr>
-        <p:spPr>
-          <a:xfrm>
-            <a:off x="53752" y="747529"/>
-            <a:ext cx="275190" cy="139541"/>
-          </a:xfrm>
-          <a:prstGeom prst="bentConnector2">
-            <a:avLst/>
-          </a:prstGeom>
-          <a:ln w="3175">
-            <a:solidFill>
-              <a:schemeClr val="tx1"/>
-            </a:solidFill>
-            <a:prstDash val="sysDash"/>
-            <a:tailEnd type="none" w="sm" len="sm"/>
-          </a:ln>
-        </p:spPr>
-        <p:style>
-          <a:lnRef idx="1">
-            <a:schemeClr val="accent1"/>
-          </a:lnRef>
-          <a:fillRef idx="0">
-            <a:schemeClr val="accent1"/>
-          </a:fillRef>
-          <a:effectRef idx="0">
-            <a:schemeClr val="accent1"/>
-          </a:effectRef>
-          <a:fontRef idx="minor">
-            <a:schemeClr val="tx1"/>
-          </a:fontRef>
-        </p:style>
-      </p:cxnSp>
       <mc:AlternateContent xmlns:mc="http://schemas.openxmlformats.org/markup-compatibility/2006" xmlns:a14="http://schemas.microsoft.com/office/drawing/2010/main">
         <mc:Choice Requires="a14">
           <p:sp>
@@ -5665,8 +5123,8 @@
             </p:nvSpPr>
             <p:spPr>
               <a:xfrm>
-                <a:off x="1577849" y="3028872"/>
-                <a:ext cx="1187795" cy="259286"/>
+                <a:off x="1565920" y="3114820"/>
+                <a:ext cx="1474091" cy="184650"/>
               </a:xfrm>
               <a:prstGeom prst="rect">
                 <a:avLst/>
@@ -5684,184 +5142,150 @@
               </a:bodyPr>
               <a:lstStyle/>
               <a:p>
+                <a:pPr/>
                 <a14:m>
-                  <m:oMath xmlns:m="http://schemas.openxmlformats.org/officeDocument/2006/math">
-                    <m:f>
-                      <m:fPr>
-                        <m:ctrlPr>
-                          <a:rPr kumimoji="1" lang="en-US" altLang="ja-JP" b="0" i="1" smtClean="0">
-                            <a:latin typeface="Cambria Math"/>
-                          </a:rPr>
-                        </m:ctrlPr>
-                      </m:fPr>
-                      <m:num>
-                        <m:r>
-                          <a:rPr kumimoji="1" lang="en-US" altLang="ja-JP" b="0" i="1" smtClean="0">
-                            <a:latin typeface="Cambria Math"/>
-                          </a:rPr>
-                          <m:t>1</m:t>
-                        </m:r>
-                      </m:num>
-                      <m:den>
-                        <m:r>
-                          <a:rPr kumimoji="1" lang="en-US" altLang="ja-JP" b="0" i="1" smtClean="0">
-                            <a:latin typeface="Cambria Math"/>
-                          </a:rPr>
-                          <m:t>𝛽</m:t>
-                        </m:r>
-                      </m:den>
-                    </m:f>
-                    <m:r>
-                      <a:rPr kumimoji="1" lang="en-US" altLang="ja-JP" b="0" i="1" smtClean="0">
-                        <a:latin typeface="Cambria Math"/>
-                      </a:rPr>
-                      <m:t>=</m:t>
-                    </m:r>
-                    <m:f>
-                      <m:fPr>
-                        <m:ctrlPr>
-                          <a:rPr kumimoji="1" lang="en-US" altLang="ja-JP" b="0" i="1" smtClean="0">
-                            <a:latin typeface="Cambria Math"/>
-                          </a:rPr>
-                        </m:ctrlPr>
-                      </m:fPr>
-                      <m:num>
-                        <m:r>
-                          <a:rPr kumimoji="1" lang="en-US" altLang="ja-JP" b="0" i="1" smtClean="0">
-                            <a:latin typeface="Cambria Math"/>
-                          </a:rPr>
-                          <m:t>1</m:t>
-                        </m:r>
-                      </m:num>
-                      <m:den>
-                        <m:r>
-                          <a:rPr kumimoji="1" lang="en-US" altLang="ja-JP" b="0" i="1" smtClean="0">
-                            <a:latin typeface="Cambria Math"/>
-                          </a:rPr>
-                          <m:t>𝑁</m:t>
-                        </m:r>
-                        <m:r>
-                          <a:rPr kumimoji="1" lang="en-US" altLang="ja-JP" b="0" i="1" smtClean="0">
-                            <a:latin typeface="Cambria Math"/>
-                          </a:rPr>
-                          <m:t>−</m:t>
-                        </m:r>
-                        <m:r>
-                          <a:rPr kumimoji="1" lang="en-US" altLang="ja-JP" b="0" i="1" smtClean="0">
-                            <a:latin typeface="Cambria Math"/>
-                          </a:rPr>
-                          <m:t>𝛾</m:t>
-                        </m:r>
-                      </m:den>
-                    </m:f>
-                  </m:oMath>
+                  <m:oMathPara xmlns:m="http://schemas.openxmlformats.org/officeDocument/2006/math">
+                    <m:oMathParaPr>
+                      <m:jc m:val="centerGroup"/>
+                    </m:oMathParaPr>
+                    <m:oMath xmlns:m="http://schemas.openxmlformats.org/officeDocument/2006/math">
+                      <m:r>
+                        <a:rPr kumimoji="1" lang="en-US" altLang="ja-JP" b="0" i="1" smtClean="0">
+                          <a:latin typeface="Cambria Math"/>
+                        </a:rPr>
+                        <m:t>𝛽</m:t>
+                      </m:r>
+                      <m:r>
+                        <a:rPr kumimoji="1" lang="en-US" altLang="ja-JP" b="0" i="1" smtClean="0">
+                          <a:latin typeface="Cambria Math"/>
+                        </a:rPr>
+                        <m:t>←(</m:t>
+                      </m:r>
+                      <m:r>
+                        <a:rPr lang="en-US" altLang="ja-JP" i="1">
+                          <a:latin typeface="Cambria Math"/>
+                        </a:rPr>
+                        <m:t>𝑁</m:t>
+                      </m:r>
+                      <m:r>
+                        <a:rPr lang="en-US" altLang="ja-JP" i="1">
+                          <a:latin typeface="Cambria Math"/>
+                        </a:rPr>
+                        <m:t>−</m:t>
+                      </m:r>
+                      <m:r>
+                        <a:rPr lang="en-US" altLang="ja-JP" i="1">
+                          <a:latin typeface="Cambria Math"/>
+                        </a:rPr>
+                        <m:t>𝛾</m:t>
+                      </m:r>
+                      <m:r>
+                        <a:rPr lang="en-US" altLang="ja-JP" b="0" i="1" smtClean="0">
+                          <a:latin typeface="Cambria Math"/>
+                        </a:rPr>
+                        <m:t>)/</m:t>
+                      </m:r>
+                      <m:sSup>
+                        <m:sSupPr>
+                          <m:ctrlPr>
+                            <a:rPr kumimoji="1" lang="en-US" altLang="ja-JP" b="0" i="1" smtClean="0">
+                              <a:latin typeface="Cambria Math"/>
+                            </a:rPr>
+                          </m:ctrlPr>
+                        </m:sSupPr>
+                        <m:e>
+                          <m:d>
+                            <m:dPr>
+                              <m:begChr m:val="‖"/>
+                              <m:endChr m:val="‖"/>
+                              <m:ctrlPr>
+                                <a:rPr kumimoji="1" lang="en-US" altLang="ja-JP" b="0" i="1" smtClean="0">
+                                  <a:latin typeface="Cambria Math"/>
+                                </a:rPr>
+                              </m:ctrlPr>
+                            </m:dPr>
+                            <m:e>
+                              <m:r>
+                                <a:rPr kumimoji="1" lang="en-US" altLang="ja-JP" b="0" i="1" smtClean="0">
+                                  <a:latin typeface="Cambria Math"/>
+                                </a:rPr>
+                                <m:t>𝑡</m:t>
+                              </m:r>
+                              <m:r>
+                                <a:rPr kumimoji="1" lang="en-US" altLang="ja-JP" b="0" i="1" smtClean="0">
+                                  <a:latin typeface="Cambria Math"/>
+                                </a:rPr>
+                                <m:t>−</m:t>
+                              </m:r>
+                              <m:sSup>
+                                <m:sSupPr>
+                                  <m:ctrlPr>
+                                    <a:rPr kumimoji="1" lang="en-US" altLang="ja-JP" b="0" i="1" smtClean="0">
+                                      <a:latin typeface="Cambria Math"/>
+                                    </a:rPr>
+                                  </m:ctrlPr>
+                                </m:sSupPr>
+                                <m:e>
+                                  <m:r>
+                                    <m:rPr>
+                                      <m:sty m:val="p"/>
+                                    </m:rPr>
+                                    <a:rPr kumimoji="1" lang="en-US" altLang="ja-JP" b="0" i="0" smtClean="0">
+                                      <a:latin typeface="Cambria Math"/>
+                                    </a:rPr>
+                                    <m:t>Φ</m:t>
+                                  </m:r>
+                                </m:e>
+                                <m:sup>
+                                  <m:r>
+                                    <a:rPr kumimoji="1" lang="en-US" altLang="ja-JP" b="0" i="1" smtClean="0">
+                                      <a:latin typeface="Cambria Math"/>
+                                    </a:rPr>
+                                    <m:t>𝑇</m:t>
+                                  </m:r>
+                                </m:sup>
+                              </m:sSup>
+                              <m:sSub>
+                                <m:sSubPr>
+                                  <m:ctrlPr>
+                                    <a:rPr kumimoji="1" lang="en-US" altLang="ja-JP" b="0" i="1" smtClean="0">
+                                      <a:latin typeface="Cambria Math"/>
+                                    </a:rPr>
+                                  </m:ctrlPr>
+                                </m:sSubPr>
+                                <m:e>
+                                  <m:r>
+                                    <a:rPr kumimoji="1" lang="en-US" altLang="ja-JP" b="0" i="1" smtClean="0">
+                                      <a:latin typeface="Cambria Math"/>
+                                    </a:rPr>
+                                    <m:t>𝑚</m:t>
+                                  </m:r>
+                                </m:e>
+                                <m:sub>
+                                  <m:r>
+                                    <a:rPr kumimoji="1" lang="en-US" altLang="ja-JP" b="0" i="1" smtClean="0">
+                                      <a:latin typeface="Cambria Math"/>
+                                    </a:rPr>
+                                    <m:t>𝑁</m:t>
+                                  </m:r>
+                                </m:sub>
+                              </m:sSub>
+                            </m:e>
+                          </m:d>
+                        </m:e>
+                        <m:sup>
+                          <m:r>
+                            <a:rPr kumimoji="1" lang="en-US" altLang="ja-JP" b="0" i="1" smtClean="0">
+                              <a:latin typeface="Cambria Math"/>
+                            </a:rPr>
+                            <m:t>2</m:t>
+                          </m:r>
+                        </m:sup>
+                      </m:sSup>
+                    </m:oMath>
+                  </m:oMathPara>
                 </a14:m>
-                <a:r>
-                  <a:rPr kumimoji="1" lang="ja-JP" altLang="en-US" b="0" smtClean="0"/>
-                  <a:t> </a:t>
-                </a:r>
-                <a14:m>
-                  <m:oMath xmlns:m="http://schemas.openxmlformats.org/officeDocument/2006/math">
-                    <m:sSup>
-                      <m:sSupPr>
-                        <m:ctrlPr>
-                          <a:rPr kumimoji="1" lang="en-US" altLang="ja-JP" b="0" i="1" smtClean="0">
-                            <a:latin typeface="Cambria Math"/>
-                          </a:rPr>
-                        </m:ctrlPr>
-                      </m:sSupPr>
-                      <m:e>
-                        <m:d>
-                          <m:dPr>
-                            <m:begChr m:val="‖"/>
-                            <m:endChr m:val="‖"/>
-                            <m:ctrlPr>
-                              <a:rPr kumimoji="1" lang="en-US" altLang="ja-JP" b="0" i="1" smtClean="0">
-                                <a:latin typeface="Cambria Math"/>
-                              </a:rPr>
-                            </m:ctrlPr>
-                          </m:dPr>
-                          <m:e>
-                            <m:r>
-                              <a:rPr kumimoji="1" lang="en-US" altLang="ja-JP" b="0" i="1" smtClean="0">
-                                <a:latin typeface="Cambria Math"/>
-                              </a:rPr>
-                              <m:t>𝑡</m:t>
-                            </m:r>
-                            <m:r>
-                              <a:rPr kumimoji="1" lang="en-US" altLang="ja-JP" b="0" i="1" smtClean="0">
-                                <a:latin typeface="Cambria Math"/>
-                              </a:rPr>
-                              <m:t>−</m:t>
-                            </m:r>
-                            <m:sSup>
-                              <m:sSupPr>
-                                <m:ctrlPr>
-                                  <a:rPr kumimoji="1" lang="en-US" altLang="ja-JP" b="0" i="1" smtClean="0">
-                                    <a:latin typeface="Cambria Math"/>
-                                  </a:rPr>
-                                </m:ctrlPr>
-                              </m:sSupPr>
-                              <m:e>
-                                <m:r>
-                                  <m:rPr>
-                                    <m:sty m:val="p"/>
-                                  </m:rPr>
-                                  <a:rPr kumimoji="1" lang="en-US" altLang="ja-JP" b="0" i="0" smtClean="0">
-                                    <a:latin typeface="Cambria Math"/>
-                                  </a:rPr>
-                                  <m:t>Φ</m:t>
-                                </m:r>
-                              </m:e>
-                              <m:sup>
-                                <m:r>
-                                  <a:rPr kumimoji="1" lang="en-US" altLang="ja-JP" b="0" i="1" smtClean="0">
-                                    <a:latin typeface="Cambria Math"/>
-                                  </a:rPr>
-                                  <m:t>𝑇</m:t>
-                                </m:r>
-                              </m:sup>
-                            </m:sSup>
-                            <m:sSub>
-                              <m:sSubPr>
-                                <m:ctrlPr>
-                                  <a:rPr kumimoji="1" lang="en-US" altLang="ja-JP" b="0" i="1" smtClean="0">
-                                    <a:latin typeface="Cambria Math"/>
-                                  </a:rPr>
-                                </m:ctrlPr>
-                              </m:sSubPr>
-                              <m:e>
-                                <m:r>
-                                  <a:rPr kumimoji="1" lang="en-US" altLang="ja-JP" b="0" i="1" smtClean="0">
-                                    <a:latin typeface="Cambria Math"/>
-                                  </a:rPr>
-                                  <m:t>𝑚</m:t>
-                                </m:r>
-                              </m:e>
-                              <m:sub>
-                                <m:r>
-                                  <a:rPr kumimoji="1" lang="en-US" altLang="ja-JP" b="0" i="1" smtClean="0">
-                                    <a:latin typeface="Cambria Math"/>
-                                  </a:rPr>
-                                  <m:t>𝑁</m:t>
-                                </m:r>
-                              </m:sub>
-                            </m:sSub>
-                          </m:e>
-                        </m:d>
-                      </m:e>
-                      <m:sup>
-                        <m:r>
-                          <a:rPr kumimoji="1" lang="en-US" altLang="ja-JP" b="0" i="1" smtClean="0">
-                            <a:latin typeface="Cambria Math"/>
-                          </a:rPr>
-                          <m:t>2</m:t>
-                        </m:r>
-                      </m:sup>
-                    </m:sSup>
-                  </m:oMath>
-                </a14:m>
-                <a:endParaRPr kumimoji="1" lang="en-US" altLang="ja-JP" b="0" smtClean="0"/>
+                <a:endParaRPr kumimoji="1" lang="en-US" altLang="ja-JP" b="0"/>
               </a:p>
             </p:txBody>
           </p:sp>
@@ -5877,8 +5301,8 @@
             </p:nvSpPr>
             <p:spPr>
               <a:xfrm>
-                <a:off x="1577849" y="3028872"/>
-                <a:ext cx="1187795" cy="259286"/>
+                <a:off x="1565920" y="3114820"/>
+                <a:ext cx="1474091" cy="184650"/>
               </a:xfrm>
               <a:prstGeom prst="rect">
                 <a:avLst/>
@@ -5886,7 +5310,7 @@
               <a:blipFill rotWithShape="1">
                 <a:blip r:embed="rId14"/>
                 <a:stretch>
-                  <a:fillRect b="-4651"/>
+                  <a:fillRect b="-9677"/>
                 </a:stretch>
               </a:blipFill>
               <a:ln w="3175">
@@ -5913,13 +5337,16 @@
       <p:cxnSp>
         <p:nvCxnSpPr>
           <p:cNvPr id="134" name="直線コネクタ 133"/>
-          <p:cNvCxnSpPr/>
+          <p:cNvCxnSpPr>
+            <a:stCxn id="10" idx="2"/>
+            <a:endCxn id="133" idx="0"/>
+          </p:cNvCxnSpPr>
           <p:nvPr/>
         </p:nvCxnSpPr>
         <p:spPr>
           <a:xfrm>
-            <a:off x="2169642" y="2862565"/>
-            <a:ext cx="0" cy="166305"/>
+            <a:off x="2302966" y="2836803"/>
+            <a:ext cx="0" cy="278017"/>
           </a:xfrm>
           <a:prstGeom prst="line">
             <a:avLst/>
@@ -5928,7 +5355,7 @@
             <a:solidFill>
               <a:schemeClr val="tx1"/>
             </a:solidFill>
-            <a:tailEnd type="none" w="sm" len="sm"/>
+            <a:tailEnd type="triangle" w="sm" len="sm"/>
           </a:ln>
         </p:spPr>
         <p:style>
@@ -5948,26 +5375,26 @@
       </p:cxnSp>
       <p:cxnSp>
         <p:nvCxnSpPr>
-          <p:cNvPr id="135" name="カギ線コネクタ 134"/>
+          <p:cNvPr id="26" name="直線コネクタ 25"/>
           <p:cNvCxnSpPr>
-            <a:stCxn id="133" idx="3"/>
+            <a:cxnSpLocks/>
+            <a:stCxn id="13" idx="2"/>
           </p:cNvCxnSpPr>
           <p:nvPr/>
         </p:nvCxnSpPr>
         <p:spPr>
-          <a:xfrm flipV="1">
-            <a:off x="2765644" y="743307"/>
-            <a:ext cx="429681" cy="2415208"/>
+          <a:xfrm flipH="1">
+            <a:off x="2614662" y="1067222"/>
+            <a:ext cx="2" cy="1565228"/>
           </a:xfrm>
-          <a:prstGeom prst="bentConnector2">
+          <a:prstGeom prst="line">
             <a:avLst/>
           </a:prstGeom>
           <a:ln w="3175">
             <a:solidFill>
               <a:schemeClr val="tx1"/>
             </a:solidFill>
-            <a:prstDash val="sysDash"/>
-            <a:tailEnd type="none"/>
+            <a:tailEnd type="triangle" w="sm" len="sm"/>
           </a:ln>
         </p:spPr>
         <p:style>
@@ -5987,53 +5414,17 @@
       </p:cxnSp>
       <p:cxnSp>
         <p:nvCxnSpPr>
-          <p:cNvPr id="137" name="カギ線コネクタ 136"/>
+          <p:cNvPr id="53" name="直線コネクタ 52"/>
           <p:cNvCxnSpPr>
-            <a:endCxn id="13" idx="0"/>
+            <a:cxnSpLocks/>
+            <a:endCxn id="133" idx="3"/>
           </p:cNvCxnSpPr>
           <p:nvPr/>
         </p:nvCxnSpPr>
         <p:spPr>
-          <a:xfrm rot="10800000" flipV="1">
-            <a:off x="2561993" y="743306"/>
-            <a:ext cx="633339" cy="148198"/>
-          </a:xfrm>
-          <a:prstGeom prst="bentConnector2">
-            <a:avLst/>
-          </a:prstGeom>
-          <a:ln w="3175">
-            <a:solidFill>
-              <a:schemeClr val="tx1"/>
-            </a:solidFill>
-            <a:prstDash val="sysDash"/>
-            <a:tailEnd type="none" w="sm" len="sm"/>
-          </a:ln>
-        </p:spPr>
-        <p:style>
-          <a:lnRef idx="1">
-            <a:schemeClr val="accent1"/>
-          </a:lnRef>
-          <a:fillRef idx="0">
-            <a:schemeClr val="accent1"/>
-          </a:fillRef>
-          <a:effectRef idx="0">
-            <a:schemeClr val="accent1"/>
-          </a:effectRef>
-          <a:fontRef idx="minor">
-            <a:schemeClr val="tx1"/>
-          </a:fontRef>
-        </p:style>
-      </p:cxnSp>
-      <p:cxnSp>
-        <p:nvCxnSpPr>
-          <p:cNvPr id="182" name="直線コネクタ 181"/>
-          <p:cNvCxnSpPr/>
-          <p:nvPr/>
-        </p:nvCxnSpPr>
-        <p:spPr>
           <a:xfrm flipH="1">
-            <a:off x="1345088" y="2300086"/>
-            <a:ext cx="1012" cy="211421"/>
+            <a:off x="3040011" y="3207145"/>
+            <a:ext cx="110085" cy="0"/>
           </a:xfrm>
           <a:prstGeom prst="line">
             <a:avLst/>
@@ -6061,56 +5452,18 @@
       </p:cxnSp>
       <p:cxnSp>
         <p:nvCxnSpPr>
-          <p:cNvPr id="188" name="直線コネクタ 34"/>
+          <p:cNvPr id="58" name="直線コネクタ 57"/>
           <p:cNvCxnSpPr>
-            <a:stCxn id="10" idx="1"/>
+            <a:cxnSpLocks/>
           </p:cNvCxnSpPr>
           <p:nvPr/>
         </p:nvCxnSpPr>
         <p:spPr>
-          <a:xfrm rot="10800000" flipV="1">
-            <a:off x="759635" y="2770138"/>
-            <a:ext cx="962753" cy="201356"/>
+          <a:xfrm>
+            <a:off x="3150096" y="707182"/>
+            <a:ext cx="0" cy="2499963"/>
           </a:xfrm>
-          <a:prstGeom prst="bentConnector3">
-            <a:avLst>
-              <a:gd name="adj1" fmla="val 50000"/>
-            </a:avLst>
-          </a:prstGeom>
-          <a:ln w="3175">
-            <a:solidFill>
-              <a:schemeClr val="tx1"/>
-            </a:solidFill>
-            <a:tailEnd type="none"/>
-          </a:ln>
-        </p:spPr>
-        <p:style>
-          <a:lnRef idx="1">
-            <a:schemeClr val="accent1"/>
-          </a:lnRef>
-          <a:fillRef idx="0">
-            <a:schemeClr val="accent1"/>
-          </a:fillRef>
-          <a:effectRef idx="0">
-            <a:schemeClr val="accent1"/>
-          </a:effectRef>
-          <a:fontRef idx="minor">
-            <a:schemeClr val="tx1"/>
-          </a:fontRef>
-        </p:style>
-      </p:cxnSp>
-      <p:cxnSp>
-        <p:nvCxnSpPr>
-          <p:cNvPr id="193" name="カギ線コネクタ 192"/>
-          <p:cNvCxnSpPr/>
-          <p:nvPr/>
-        </p:nvCxnSpPr>
-        <p:spPr>
-          <a:xfrm>
-            <a:off x="329373" y="1811120"/>
-            <a:ext cx="840502" cy="0"/>
-          </a:xfrm>
-          <a:prstGeom prst="bentConnector3">
+          <a:prstGeom prst="line">
             <a:avLst/>
           </a:prstGeom>
           <a:ln w="3175">
@@ -6136,14 +5489,16 @@
       </p:cxnSp>
       <p:cxnSp>
         <p:nvCxnSpPr>
-          <p:cNvPr id="40" name="直線コネクタ 39"/>
-          <p:cNvCxnSpPr/>
+          <p:cNvPr id="60" name="直線コネクタ 59"/>
+          <p:cNvCxnSpPr>
+            <a:cxnSpLocks/>
+          </p:cNvCxnSpPr>
           <p:nvPr/>
         </p:nvCxnSpPr>
         <p:spPr>
-          <a:xfrm>
-            <a:off x="1493912" y="1624191"/>
-            <a:ext cx="1074430" cy="0"/>
+          <a:xfrm flipH="1">
+            <a:off x="2614663" y="707182"/>
+            <a:ext cx="535433" cy="0"/>
           </a:xfrm>
           <a:prstGeom prst="line">
             <a:avLst/>
@@ -6152,7 +5507,833 @@
             <a:solidFill>
               <a:schemeClr val="tx1"/>
             </a:solidFill>
-            <a:tailEnd type="none" w="sm" len="sm"/>
+          </a:ln>
+        </p:spPr>
+        <p:style>
+          <a:lnRef idx="1">
+            <a:schemeClr val="accent1"/>
+          </a:lnRef>
+          <a:fillRef idx="0">
+            <a:schemeClr val="accent1"/>
+          </a:fillRef>
+          <a:effectRef idx="0">
+            <a:schemeClr val="accent1"/>
+          </a:effectRef>
+          <a:fontRef idx="minor">
+            <a:schemeClr val="tx1"/>
+          </a:fontRef>
+        </p:style>
+      </p:cxnSp>
+      <p:cxnSp>
+        <p:nvCxnSpPr>
+          <p:cNvPr id="63" name="直線コネクタ 62"/>
+          <p:cNvCxnSpPr>
+            <a:cxnSpLocks/>
+            <a:endCxn id="13" idx="0"/>
+          </p:cNvCxnSpPr>
+          <p:nvPr/>
+        </p:nvCxnSpPr>
+        <p:spPr>
+          <a:xfrm>
+            <a:off x="2614662" y="707181"/>
+            <a:ext cx="2" cy="175391"/>
+          </a:xfrm>
+          <a:prstGeom prst="line">
+            <a:avLst/>
+          </a:prstGeom>
+          <a:ln w="3175">
+            <a:solidFill>
+              <a:schemeClr val="tx1"/>
+            </a:solidFill>
+            <a:tailEnd type="triangle" w="sm" len="sm"/>
+          </a:ln>
+        </p:spPr>
+        <p:style>
+          <a:lnRef idx="1">
+            <a:schemeClr val="accent1"/>
+          </a:lnRef>
+          <a:fillRef idx="0">
+            <a:schemeClr val="accent1"/>
+          </a:fillRef>
+          <a:effectRef idx="0">
+            <a:schemeClr val="accent1"/>
+          </a:effectRef>
+          <a:fontRef idx="minor">
+            <a:schemeClr val="tx1"/>
+          </a:fontRef>
+        </p:style>
+      </p:cxnSp>
+      <p:cxnSp>
+        <p:nvCxnSpPr>
+          <p:cNvPr id="77" name="直線コネクタ 76"/>
+          <p:cNvCxnSpPr>
+            <a:cxnSpLocks/>
+            <a:stCxn id="8" idx="2"/>
+          </p:cNvCxnSpPr>
+          <p:nvPr/>
+        </p:nvCxnSpPr>
+        <p:spPr>
+          <a:xfrm>
+            <a:off x="1941560" y="2421329"/>
+            <a:ext cx="0" cy="230824"/>
+          </a:xfrm>
+          <a:prstGeom prst="line">
+            <a:avLst/>
+          </a:prstGeom>
+          <a:ln w="3175">
+            <a:solidFill>
+              <a:schemeClr val="tx1"/>
+            </a:solidFill>
+            <a:tailEnd type="triangle" w="sm" len="sm"/>
+          </a:ln>
+        </p:spPr>
+        <p:style>
+          <a:lnRef idx="1">
+            <a:schemeClr val="accent1"/>
+          </a:lnRef>
+          <a:fillRef idx="0">
+            <a:schemeClr val="accent1"/>
+          </a:fillRef>
+          <a:effectRef idx="0">
+            <a:schemeClr val="accent1"/>
+          </a:effectRef>
+          <a:fontRef idx="minor">
+            <a:schemeClr val="tx1"/>
+          </a:fontRef>
+        </p:style>
+      </p:cxnSp>
+      <p:cxnSp>
+        <p:nvCxnSpPr>
+          <p:cNvPr id="87" name="直線コネクタ 86"/>
+          <p:cNvCxnSpPr>
+            <a:cxnSpLocks/>
+          </p:cNvCxnSpPr>
+          <p:nvPr/>
+        </p:nvCxnSpPr>
+        <p:spPr>
+          <a:xfrm>
+            <a:off x="404972" y="1070845"/>
+            <a:ext cx="0" cy="1482257"/>
+          </a:xfrm>
+          <a:prstGeom prst="line">
+            <a:avLst/>
+          </a:prstGeom>
+          <a:ln w="3175">
+            <a:solidFill>
+              <a:schemeClr val="tx1"/>
+            </a:solidFill>
+            <a:tailEnd type="triangle" w="sm" len="sm"/>
+          </a:ln>
+        </p:spPr>
+        <p:style>
+          <a:lnRef idx="1">
+            <a:schemeClr val="accent1"/>
+          </a:lnRef>
+          <a:fillRef idx="0">
+            <a:schemeClr val="accent1"/>
+          </a:fillRef>
+          <a:effectRef idx="0">
+            <a:schemeClr val="accent1"/>
+          </a:effectRef>
+          <a:fontRef idx="minor">
+            <a:schemeClr val="tx1"/>
+          </a:fontRef>
+        </p:style>
+      </p:cxnSp>
+      <p:cxnSp>
+        <p:nvCxnSpPr>
+          <p:cNvPr id="97" name="直線コネクタ 96"/>
+          <p:cNvCxnSpPr>
+            <a:cxnSpLocks/>
+            <a:stCxn id="33" idx="2"/>
+            <a:endCxn id="34" idx="0"/>
+          </p:cNvCxnSpPr>
+          <p:nvPr/>
+        </p:nvCxnSpPr>
+        <p:spPr>
+          <a:xfrm flipH="1">
+            <a:off x="843728" y="1873235"/>
+            <a:ext cx="692773" cy="294194"/>
+          </a:xfrm>
+          <a:prstGeom prst="line">
+            <a:avLst/>
+          </a:prstGeom>
+          <a:ln w="3175">
+            <a:solidFill>
+              <a:schemeClr val="tx1"/>
+            </a:solidFill>
+            <a:tailEnd type="triangle" w="sm" len="sm"/>
+          </a:ln>
+        </p:spPr>
+        <p:style>
+          <a:lnRef idx="1">
+            <a:schemeClr val="accent1"/>
+          </a:lnRef>
+          <a:fillRef idx="0">
+            <a:schemeClr val="accent1"/>
+          </a:fillRef>
+          <a:effectRef idx="0">
+            <a:schemeClr val="accent1"/>
+          </a:effectRef>
+          <a:fontRef idx="minor">
+            <a:schemeClr val="tx1"/>
+          </a:fontRef>
+        </p:style>
+      </p:cxnSp>
+      <p:cxnSp>
+        <p:nvCxnSpPr>
+          <p:cNvPr id="102" name="直線コネクタ 101"/>
+          <p:cNvCxnSpPr>
+            <a:cxnSpLocks/>
+            <a:endCxn id="33" idx="3"/>
+          </p:cNvCxnSpPr>
+          <p:nvPr/>
+        </p:nvCxnSpPr>
+        <p:spPr>
+          <a:xfrm flipH="1">
+            <a:off x="1867121" y="1780910"/>
+            <a:ext cx="747541" cy="0"/>
+          </a:xfrm>
+          <a:prstGeom prst="line">
+            <a:avLst/>
+          </a:prstGeom>
+          <a:ln w="3175">
+            <a:solidFill>
+              <a:schemeClr val="tx1"/>
+            </a:solidFill>
+            <a:tailEnd type="triangle" w="sm" len="sm"/>
+          </a:ln>
+        </p:spPr>
+        <p:style>
+          <a:lnRef idx="1">
+            <a:schemeClr val="accent1"/>
+          </a:lnRef>
+          <a:fillRef idx="0">
+            <a:schemeClr val="accent1"/>
+          </a:fillRef>
+          <a:effectRef idx="0">
+            <a:schemeClr val="accent1"/>
+          </a:effectRef>
+          <a:fontRef idx="minor">
+            <a:schemeClr val="tx1"/>
+          </a:fontRef>
+        </p:style>
+      </p:cxnSp>
+      <p:cxnSp>
+        <p:nvCxnSpPr>
+          <p:cNvPr id="118" name="直線コネクタ 117"/>
+          <p:cNvCxnSpPr>
+            <a:cxnSpLocks/>
+            <a:stCxn id="33" idx="2"/>
+            <a:endCxn id="8" idx="0"/>
+          </p:cNvCxnSpPr>
+          <p:nvPr/>
+        </p:nvCxnSpPr>
+        <p:spPr>
+          <a:xfrm>
+            <a:off x="1536501" y="1873235"/>
+            <a:ext cx="405059" cy="224945"/>
+          </a:xfrm>
+          <a:prstGeom prst="line">
+            <a:avLst/>
+          </a:prstGeom>
+          <a:ln w="3175">
+            <a:solidFill>
+              <a:schemeClr val="tx1"/>
+            </a:solidFill>
+            <a:tailEnd type="triangle" w="sm" len="sm"/>
+          </a:ln>
+        </p:spPr>
+        <p:style>
+          <a:lnRef idx="1">
+            <a:schemeClr val="accent1"/>
+          </a:lnRef>
+          <a:fillRef idx="0">
+            <a:schemeClr val="accent1"/>
+          </a:fillRef>
+          <a:effectRef idx="0">
+            <a:schemeClr val="accent1"/>
+          </a:effectRef>
+          <a:fontRef idx="minor">
+            <a:schemeClr val="tx1"/>
+          </a:fontRef>
+        </p:style>
+      </p:cxnSp>
+      <p:cxnSp>
+        <p:nvCxnSpPr>
+          <p:cNvPr id="129" name="直線コネクタ 128"/>
+          <p:cNvCxnSpPr>
+            <a:cxnSpLocks/>
+          </p:cNvCxnSpPr>
+          <p:nvPr/>
+        </p:nvCxnSpPr>
+        <p:spPr>
+          <a:xfrm>
+            <a:off x="403584" y="1671456"/>
+            <a:ext cx="1091021" cy="588298"/>
+          </a:xfrm>
+          <a:prstGeom prst="line">
+            <a:avLst/>
+          </a:prstGeom>
+          <a:ln w="3175">
+            <a:solidFill>
+              <a:schemeClr val="tx1"/>
+            </a:solidFill>
+            <a:tailEnd type="triangle" w="sm" len="sm"/>
+          </a:ln>
+        </p:spPr>
+        <p:style>
+          <a:lnRef idx="1">
+            <a:schemeClr val="accent1"/>
+          </a:lnRef>
+          <a:fillRef idx="0">
+            <a:schemeClr val="accent1"/>
+          </a:fillRef>
+          <a:effectRef idx="0">
+            <a:schemeClr val="accent1"/>
+          </a:effectRef>
+          <a:fontRef idx="minor">
+            <a:schemeClr val="tx1"/>
+          </a:fontRef>
+        </p:style>
+      </p:cxnSp>
+      <p:cxnSp>
+        <p:nvCxnSpPr>
+          <p:cNvPr id="147" name="直線コネクタ 146"/>
+          <p:cNvCxnSpPr>
+            <a:cxnSpLocks/>
+            <a:endCxn id="7" idx="0"/>
+          </p:cNvCxnSpPr>
+          <p:nvPr/>
+        </p:nvCxnSpPr>
+        <p:spPr>
+          <a:xfrm>
+            <a:off x="412106" y="703559"/>
+            <a:ext cx="0" cy="179013"/>
+          </a:xfrm>
+          <a:prstGeom prst="line">
+            <a:avLst/>
+          </a:prstGeom>
+          <a:ln w="3175">
+            <a:solidFill>
+              <a:schemeClr val="tx1"/>
+            </a:solidFill>
+            <a:tailEnd type="triangle" w="sm" len="sm"/>
+          </a:ln>
+        </p:spPr>
+        <p:style>
+          <a:lnRef idx="1">
+            <a:schemeClr val="accent1"/>
+          </a:lnRef>
+          <a:fillRef idx="0">
+            <a:schemeClr val="accent1"/>
+          </a:fillRef>
+          <a:effectRef idx="0">
+            <a:schemeClr val="accent1"/>
+          </a:effectRef>
+          <a:fontRef idx="minor">
+            <a:schemeClr val="tx1"/>
+          </a:fontRef>
+        </p:style>
+      </p:cxnSp>
+      <p:cxnSp>
+        <p:nvCxnSpPr>
+          <p:cNvPr id="148" name="直線コネクタ 147"/>
+          <p:cNvCxnSpPr>
+            <a:cxnSpLocks/>
+          </p:cNvCxnSpPr>
+          <p:nvPr/>
+        </p:nvCxnSpPr>
+        <p:spPr>
+          <a:xfrm flipH="1">
+            <a:off x="268925" y="711182"/>
+            <a:ext cx="143181" cy="0"/>
+          </a:xfrm>
+          <a:prstGeom prst="line">
+            <a:avLst/>
+          </a:prstGeom>
+          <a:ln w="3175">
+            <a:solidFill>
+              <a:schemeClr val="tx1"/>
+            </a:solidFill>
+          </a:ln>
+        </p:spPr>
+        <p:style>
+          <a:lnRef idx="1">
+            <a:schemeClr val="accent1"/>
+          </a:lnRef>
+          <a:fillRef idx="0">
+            <a:schemeClr val="accent1"/>
+          </a:fillRef>
+          <a:effectRef idx="0">
+            <a:schemeClr val="accent1"/>
+          </a:effectRef>
+          <a:fontRef idx="minor">
+            <a:schemeClr val="tx1"/>
+          </a:fontRef>
+        </p:style>
+      </p:cxnSp>
+      <p:cxnSp>
+        <p:nvCxnSpPr>
+          <p:cNvPr id="157" name="直線コネクタ 156"/>
+          <p:cNvCxnSpPr>
+            <a:cxnSpLocks/>
+          </p:cNvCxnSpPr>
+          <p:nvPr/>
+        </p:nvCxnSpPr>
+        <p:spPr>
+          <a:xfrm>
+            <a:off x="268925" y="707181"/>
+            <a:ext cx="0" cy="2499964"/>
+          </a:xfrm>
+          <a:prstGeom prst="line">
+            <a:avLst/>
+          </a:prstGeom>
+          <a:ln w="3175">
+            <a:solidFill>
+              <a:schemeClr val="tx1"/>
+            </a:solidFill>
+          </a:ln>
+        </p:spPr>
+        <p:style>
+          <a:lnRef idx="1">
+            <a:schemeClr val="accent1"/>
+          </a:lnRef>
+          <a:fillRef idx="0">
+            <a:schemeClr val="accent1"/>
+          </a:fillRef>
+          <a:effectRef idx="0">
+            <a:schemeClr val="accent1"/>
+          </a:effectRef>
+          <a:fontRef idx="minor">
+            <a:schemeClr val="tx1"/>
+          </a:fontRef>
+        </p:style>
+      </p:cxnSp>
+      <p:cxnSp>
+        <p:nvCxnSpPr>
+          <p:cNvPr id="158" name="直線コネクタ 157"/>
+          <p:cNvCxnSpPr>
+            <a:cxnSpLocks/>
+            <a:stCxn id="105" idx="1"/>
+          </p:cNvCxnSpPr>
+          <p:nvPr/>
+        </p:nvCxnSpPr>
+        <p:spPr>
+          <a:xfrm flipH="1">
+            <a:off x="268925" y="3213141"/>
+            <a:ext cx="115560" cy="0"/>
+          </a:xfrm>
+          <a:prstGeom prst="line">
+            <a:avLst/>
+          </a:prstGeom>
+          <a:ln w="3175">
+            <a:solidFill>
+              <a:schemeClr val="tx1"/>
+            </a:solidFill>
+          </a:ln>
+        </p:spPr>
+        <p:style>
+          <a:lnRef idx="1">
+            <a:schemeClr val="accent1"/>
+          </a:lnRef>
+          <a:fillRef idx="0">
+            <a:schemeClr val="accent1"/>
+          </a:fillRef>
+          <a:effectRef idx="0">
+            <a:schemeClr val="accent1"/>
+          </a:effectRef>
+          <a:fontRef idx="minor">
+            <a:schemeClr val="tx1"/>
+          </a:fontRef>
+        </p:style>
+      </p:cxnSp>
+      <p:cxnSp>
+        <p:nvCxnSpPr>
+          <p:cNvPr id="168" name="直線コネクタ 167"/>
+          <p:cNvCxnSpPr>
+            <a:cxnSpLocks/>
+            <a:stCxn id="10" idx="2"/>
+            <a:endCxn id="105" idx="3"/>
+          </p:cNvCxnSpPr>
+          <p:nvPr/>
+        </p:nvCxnSpPr>
+        <p:spPr>
+          <a:xfrm flipH="1">
+            <a:off x="1134784" y="2836803"/>
+            <a:ext cx="1168182" cy="376338"/>
+          </a:xfrm>
+          <a:prstGeom prst="line">
+            <a:avLst/>
+          </a:prstGeom>
+          <a:ln w="3175">
+            <a:solidFill>
+              <a:schemeClr val="tx1"/>
+            </a:solidFill>
+            <a:tailEnd type="triangle" w="sm" len="sm"/>
+          </a:ln>
+        </p:spPr>
+        <p:style>
+          <a:lnRef idx="1">
+            <a:schemeClr val="accent1"/>
+          </a:lnRef>
+          <a:fillRef idx="0">
+            <a:schemeClr val="accent1"/>
+          </a:fillRef>
+          <a:effectRef idx="0">
+            <a:schemeClr val="accent1"/>
+          </a:effectRef>
+          <a:fontRef idx="minor">
+            <a:schemeClr val="tx1"/>
+          </a:fontRef>
+        </p:style>
+      </p:cxnSp>
+      <mc:AlternateContent xmlns:mc="http://schemas.openxmlformats.org/markup-compatibility/2006" xmlns:a14="http://schemas.microsoft.com/office/drawing/2010/main">
+        <mc:Choice Requires="a14">
+          <p:sp>
+            <p:nvSpPr>
+              <p:cNvPr id="39" name="テキスト ボックス 38"/>
+              <p:cNvSpPr txBox="1"/>
+              <p:nvPr/>
+            </p:nvSpPr>
+            <p:spPr>
+              <a:xfrm>
+                <a:off x="2840424" y="882572"/>
+                <a:ext cx="165656" cy="184650"/>
+              </a:xfrm>
+              <a:prstGeom prst="rect">
+                <a:avLst/>
+              </a:prstGeom>
+              <a:noFill/>
+              <a:ln w="3175">
+                <a:solidFill>
+                  <a:schemeClr val="tx1"/>
+                </a:solidFill>
+              </a:ln>
+            </p:spPr>
+            <p:txBody>
+              <a:bodyPr wrap="none" lIns="45705" tIns="22852" rIns="45705" bIns="22852" rtlCol="0">
+                <a:spAutoFit/>
+              </a:bodyPr>
+              <a:lstStyle/>
+              <a:p>
+                <a:pPr/>
+                <a14:m>
+                  <m:oMathPara xmlns:m="http://schemas.openxmlformats.org/officeDocument/2006/math">
+                    <m:oMathParaPr>
+                      <m:jc m:val="centerGroup"/>
+                    </m:oMathParaPr>
+                    <m:oMath xmlns:m="http://schemas.openxmlformats.org/officeDocument/2006/math">
+                      <m:r>
+                        <a:rPr kumimoji="1" lang="en-US" altLang="ja-JP" b="0" i="1" smtClean="0">
+                          <a:latin typeface="Cambria Math"/>
+                        </a:rPr>
+                        <m:t>𝑡</m:t>
+                      </m:r>
+                    </m:oMath>
+                  </m:oMathPara>
+                </a14:m>
+                <a:endParaRPr kumimoji="1" lang="en-US" altLang="ja-JP" b="0"/>
+              </a:p>
+            </p:txBody>
+          </p:sp>
+        </mc:Choice>
+        <mc:Fallback xmlns="">
+          <p:sp>
+            <p:nvSpPr>
+              <p:cNvPr id="39" name="テキスト ボックス 38"/>
+              <p:cNvSpPr txBox="1">
+                <a:spLocks noRot="1" noChangeAspect="1" noMove="1" noResize="1" noEditPoints="1" noAdjustHandles="1" noChangeArrowheads="1" noChangeShapeType="1" noTextEdit="1"/>
+              </p:cNvSpPr>
+              <p:nvPr/>
+            </p:nvSpPr>
+            <p:spPr>
+              <a:xfrm>
+                <a:off x="2840424" y="882572"/>
+                <a:ext cx="165656" cy="184650"/>
+              </a:xfrm>
+              <a:prstGeom prst="rect">
+                <a:avLst/>
+              </a:prstGeom>
+              <a:blipFill rotWithShape="1">
+                <a:blip r:embed="rId15"/>
+                <a:stretch>
+                  <a:fillRect/>
+                </a:stretch>
+              </a:blipFill>
+              <a:ln w="3175">
+                <a:solidFill>
+                  <a:schemeClr val="tx1"/>
+                </a:solidFill>
+              </a:ln>
+            </p:spPr>
+            <p:txBody>
+              <a:bodyPr/>
+              <a:lstStyle/>
+              <a:p>
+                <a:r>
+                  <a:rPr lang="ja-JP" altLang="en-US">
+                    <a:noFill/>
+                  </a:rPr>
+                  <a:t> </a:t>
+                </a:r>
+              </a:p>
+            </p:txBody>
+          </p:sp>
+        </mc:Fallback>
+      </mc:AlternateContent>
+      <p:cxnSp>
+        <p:nvCxnSpPr>
+          <p:cNvPr id="40" name="直線コネクタ 39"/>
+          <p:cNvCxnSpPr>
+            <a:cxnSpLocks/>
+            <a:stCxn id="39" idx="2"/>
+          </p:cNvCxnSpPr>
+          <p:nvPr/>
+        </p:nvCxnSpPr>
+        <p:spPr>
+          <a:xfrm>
+            <a:off x="2923252" y="1067222"/>
+            <a:ext cx="0" cy="2047598"/>
+          </a:xfrm>
+          <a:prstGeom prst="line">
+            <a:avLst/>
+          </a:prstGeom>
+          <a:ln w="3175">
+            <a:solidFill>
+              <a:schemeClr val="tx1"/>
+            </a:solidFill>
+            <a:tailEnd type="triangle" w="sm" len="sm"/>
+          </a:ln>
+        </p:spPr>
+        <p:style>
+          <a:lnRef idx="1">
+            <a:schemeClr val="accent1"/>
+          </a:lnRef>
+          <a:fillRef idx="0">
+            <a:schemeClr val="accent1"/>
+          </a:fillRef>
+          <a:effectRef idx="0">
+            <a:schemeClr val="accent1"/>
+          </a:effectRef>
+          <a:fontRef idx="minor">
+            <a:schemeClr val="tx1"/>
+          </a:fontRef>
+        </p:style>
+      </p:cxnSp>
+      <p:cxnSp>
+        <p:nvCxnSpPr>
+          <p:cNvPr id="45" name="直線コネクタ 44"/>
+          <p:cNvCxnSpPr>
+            <a:cxnSpLocks/>
+            <a:endCxn id="10" idx="3"/>
+          </p:cNvCxnSpPr>
+          <p:nvPr/>
+        </p:nvCxnSpPr>
+        <p:spPr>
+          <a:xfrm flipH="1">
+            <a:off x="2746854" y="2744478"/>
+            <a:ext cx="176398" cy="0"/>
+          </a:xfrm>
+          <a:prstGeom prst="line">
+            <a:avLst/>
+          </a:prstGeom>
+          <a:ln w="3175">
+            <a:solidFill>
+              <a:schemeClr val="tx1"/>
+            </a:solidFill>
+            <a:tailEnd type="triangle" w="sm" len="sm"/>
+          </a:ln>
+        </p:spPr>
+        <p:style>
+          <a:lnRef idx="1">
+            <a:schemeClr val="accent1"/>
+          </a:lnRef>
+          <a:fillRef idx="0">
+            <a:schemeClr val="accent1"/>
+          </a:fillRef>
+          <a:effectRef idx="0">
+            <a:schemeClr val="accent1"/>
+          </a:effectRef>
+          <a:fontRef idx="minor">
+            <a:schemeClr val="tx1"/>
+          </a:fontRef>
+        </p:style>
+      </p:cxnSp>
+      <p:cxnSp>
+        <p:nvCxnSpPr>
+          <p:cNvPr id="49" name="直線コネクタ 48"/>
+          <p:cNvCxnSpPr>
+            <a:cxnSpLocks/>
+          </p:cNvCxnSpPr>
+          <p:nvPr/>
+        </p:nvCxnSpPr>
+        <p:spPr>
+          <a:xfrm flipH="1">
+            <a:off x="1042708" y="1184317"/>
+            <a:ext cx="855760" cy="0"/>
+          </a:xfrm>
+          <a:prstGeom prst="line">
+            <a:avLst/>
+          </a:prstGeom>
+          <a:ln w="3175">
+            <a:solidFill>
+              <a:schemeClr val="tx1"/>
+            </a:solidFill>
+          </a:ln>
+        </p:spPr>
+        <p:style>
+          <a:lnRef idx="1">
+            <a:schemeClr val="accent1"/>
+          </a:lnRef>
+          <a:fillRef idx="0">
+            <a:schemeClr val="accent1"/>
+          </a:fillRef>
+          <a:effectRef idx="0">
+            <a:schemeClr val="accent1"/>
+          </a:effectRef>
+          <a:fontRef idx="minor">
+            <a:schemeClr val="tx1"/>
+          </a:fontRef>
+        </p:style>
+      </p:cxnSp>
+      <p:cxnSp>
+        <p:nvCxnSpPr>
+          <p:cNvPr id="51" name="直線コネクタ 50"/>
+          <p:cNvCxnSpPr>
+            <a:cxnSpLocks/>
+            <a:stCxn id="11" idx="2"/>
+          </p:cNvCxnSpPr>
+          <p:nvPr/>
+        </p:nvCxnSpPr>
+        <p:spPr>
+          <a:xfrm flipH="1">
+            <a:off x="1042708" y="1067222"/>
+            <a:ext cx="1" cy="117095"/>
+          </a:xfrm>
+          <a:prstGeom prst="line">
+            <a:avLst/>
+          </a:prstGeom>
+          <a:ln w="3175">
+            <a:solidFill>
+              <a:schemeClr val="tx1"/>
+            </a:solidFill>
+          </a:ln>
+        </p:spPr>
+        <p:style>
+          <a:lnRef idx="1">
+            <a:schemeClr val="accent1"/>
+          </a:lnRef>
+          <a:fillRef idx="0">
+            <a:schemeClr val="accent1"/>
+          </a:fillRef>
+          <a:effectRef idx="0">
+            <a:schemeClr val="accent1"/>
+          </a:effectRef>
+          <a:fontRef idx="minor">
+            <a:schemeClr val="tx1"/>
+          </a:fontRef>
+        </p:style>
+      </p:cxnSp>
+      <p:cxnSp>
+        <p:nvCxnSpPr>
+          <p:cNvPr id="56" name="直線コネクタ 55"/>
+          <p:cNvCxnSpPr>
+            <a:cxnSpLocks/>
+            <a:stCxn id="12" idx="2"/>
+          </p:cNvCxnSpPr>
+          <p:nvPr/>
+        </p:nvCxnSpPr>
+        <p:spPr>
+          <a:xfrm>
+            <a:off x="1898469" y="1067222"/>
+            <a:ext cx="0" cy="117095"/>
+          </a:xfrm>
+          <a:prstGeom prst="line">
+            <a:avLst/>
+          </a:prstGeom>
+          <a:ln w="3175">
+            <a:solidFill>
+              <a:schemeClr val="tx1"/>
+            </a:solidFill>
+          </a:ln>
+        </p:spPr>
+        <p:style>
+          <a:lnRef idx="1">
+            <a:schemeClr val="accent1"/>
+          </a:lnRef>
+          <a:fillRef idx="0">
+            <a:schemeClr val="accent1"/>
+          </a:fillRef>
+          <a:effectRef idx="0">
+            <a:schemeClr val="accent1"/>
+          </a:effectRef>
+          <a:fontRef idx="minor">
+            <a:schemeClr val="tx1"/>
+          </a:fontRef>
+        </p:style>
+      </p:cxnSp>
+      <p:cxnSp>
+        <p:nvCxnSpPr>
+          <p:cNvPr id="47" name="直線コネクタ 46"/>
+          <p:cNvCxnSpPr>
+            <a:cxnSpLocks/>
+          </p:cNvCxnSpPr>
+          <p:nvPr/>
+        </p:nvCxnSpPr>
+        <p:spPr>
+          <a:xfrm>
+            <a:off x="759634" y="2363366"/>
+            <a:ext cx="0" cy="189736"/>
+          </a:xfrm>
+          <a:prstGeom prst="line">
+            <a:avLst/>
+          </a:prstGeom>
+          <a:ln w="3175">
+            <a:solidFill>
+              <a:schemeClr val="tx1"/>
+            </a:solidFill>
+            <a:tailEnd type="triangle" w="sm" len="sm"/>
+          </a:ln>
+        </p:spPr>
+        <p:style>
+          <a:lnRef idx="1">
+            <a:schemeClr val="accent1"/>
+          </a:lnRef>
+          <a:fillRef idx="0">
+            <a:schemeClr val="accent1"/>
+          </a:fillRef>
+          <a:effectRef idx="0">
+            <a:schemeClr val="accent1"/>
+          </a:effectRef>
+          <a:fontRef idx="minor">
+            <a:schemeClr val="tx1"/>
+          </a:fontRef>
+        </p:style>
+      </p:cxnSp>
+      <p:cxnSp>
+        <p:nvCxnSpPr>
+          <p:cNvPr id="48" name="直線コネクタ 47"/>
+          <p:cNvCxnSpPr>
+            <a:cxnSpLocks/>
+            <a:stCxn id="46" idx="2"/>
+            <a:endCxn id="105" idx="0"/>
+          </p:cNvCxnSpPr>
+          <p:nvPr/>
+        </p:nvCxnSpPr>
+        <p:spPr>
+          <a:xfrm>
+            <a:off x="759635" y="2885677"/>
+            <a:ext cx="0" cy="169127"/>
+          </a:xfrm>
+          <a:prstGeom prst="line">
+            <a:avLst/>
+          </a:prstGeom>
+          <a:ln w="3175">
+            <a:solidFill>
+              <a:schemeClr val="tx1"/>
+            </a:solidFill>
+            <a:tailEnd type="triangle" w="sm" len="sm"/>
           </a:ln>
         </p:spPr>
         <p:style>
@@ -6180,13 +6361,6 @@
   <p:clrMapOvr>
     <a:masterClrMapping/>
   </p:clrMapOvr>
-  <p:timing>
-    <p:tnLst>
-      <p:par>
-        <p:cTn id="1" dur="indefinite" restart="never" nodeType="tmRoot"/>
-      </p:par>
-    </p:tnLst>
-  </p:timing>
 </p:sld>
 </file>
 
@@ -6470,7 +6644,67 @@
       </a:bgFillStyleLst>
     </a:fmtScheme>
   </a:themeElements>
-  <a:objectDefaults/>
+  <a:objectDefaults>
+    <a:spDef>
+      <a:spPr>
+        <a:noFill/>
+        <a:ln w="3175">
+          <a:solidFill>
+            <a:schemeClr val="tx1"/>
+          </a:solidFill>
+          <a:round/>
+          <a:tailEnd type="triangle" w="sm" len="sm"/>
+        </a:ln>
+      </a:spPr>
+      <a:bodyPr rtlCol="0" anchor="ctr"/>
+      <a:lstStyle>
+        <a:defPPr algn="ctr">
+          <a:defRPr kumimoji="1" smtClean="0"/>
+        </a:defPPr>
+      </a:lstStyle>
+      <a:style>
+        <a:lnRef idx="2">
+          <a:schemeClr val="accent1">
+            <a:shade val="50000"/>
+          </a:schemeClr>
+        </a:lnRef>
+        <a:fillRef idx="1">
+          <a:schemeClr val="accent1"/>
+        </a:fillRef>
+        <a:effectRef idx="0">
+          <a:schemeClr val="accent1"/>
+        </a:effectRef>
+        <a:fontRef idx="minor">
+          <a:schemeClr val="lt1"/>
+        </a:fontRef>
+      </a:style>
+    </a:spDef>
+    <a:lnDef>
+      <a:spPr>
+        <a:ln w="3175">
+          <a:solidFill>
+            <a:schemeClr val="tx1"/>
+          </a:solidFill>
+        </a:ln>
+      </a:spPr>
+      <a:bodyPr/>
+      <a:lstStyle/>
+      <a:style>
+        <a:lnRef idx="1">
+          <a:schemeClr val="accent1"/>
+        </a:lnRef>
+        <a:fillRef idx="0">
+          <a:schemeClr val="accent1"/>
+        </a:fillRef>
+        <a:effectRef idx="0">
+          <a:schemeClr val="accent1"/>
+        </a:effectRef>
+        <a:fontRef idx="minor">
+          <a:schemeClr val="tx1"/>
+        </a:fontRef>
+      </a:style>
+    </a:lnDef>
+  </a:objectDefaults>
   <a:extraClrSchemeLst/>
 </a:theme>
 </file>